--- a/ChallengePresentation1.pptx
+++ b/ChallengePresentation1.pptx
@@ -16,17 +16,18 @@
     <p:sldId id="264" r:id="rId10"/>
     <p:sldId id="267" r:id="rId11"/>
     <p:sldId id="266" r:id="rId12"/>
-    <p:sldId id="268" r:id="rId13"/>
-    <p:sldId id="269" r:id="rId14"/>
-    <p:sldId id="270" r:id="rId15"/>
-    <p:sldId id="271" r:id="rId16"/>
-    <p:sldId id="272" r:id="rId17"/>
-    <p:sldId id="273" r:id="rId18"/>
-    <p:sldId id="274" r:id="rId19"/>
-    <p:sldId id="275" r:id="rId20"/>
-    <p:sldId id="276" r:id="rId21"/>
-    <p:sldId id="279" r:id="rId22"/>
-    <p:sldId id="281" r:id="rId23"/>
+    <p:sldId id="282" r:id="rId13"/>
+    <p:sldId id="268" r:id="rId14"/>
+    <p:sldId id="269" r:id="rId15"/>
+    <p:sldId id="270" r:id="rId16"/>
+    <p:sldId id="271" r:id="rId17"/>
+    <p:sldId id="272" r:id="rId18"/>
+    <p:sldId id="273" r:id="rId19"/>
+    <p:sldId id="274" r:id="rId20"/>
+    <p:sldId id="275" r:id="rId21"/>
+    <p:sldId id="276" r:id="rId22"/>
+    <p:sldId id="279" r:id="rId23"/>
+    <p:sldId id="281" r:id="rId24"/>
   </p:sldIdLst>
   <p:sldSz cx="12192000" cy="6858000"/>
   <p:notesSz cx="6858000" cy="9144000"/>
@@ -5772,7 +5773,7 @@
           <a:p>
             <a:fld id="{6C30E2DD-74F4-4D25-8085-F8A4703B7599}" type="datetimeFigureOut">
               <a:rPr lang="en-GB" smtClean="0"/>
-              <a:t>29/07/2024</a:t>
+              <a:t>20/08/2024</a:t>
             </a:fld>
             <a:endParaRPr lang="en-GB"/>
           </a:p>
@@ -5972,7 +5973,7 @@
           <a:p>
             <a:fld id="{6C30E2DD-74F4-4D25-8085-F8A4703B7599}" type="datetimeFigureOut">
               <a:rPr lang="en-GB" smtClean="0"/>
-              <a:t>29/07/2024</a:t>
+              <a:t>20/08/2024</a:t>
             </a:fld>
             <a:endParaRPr lang="en-GB"/>
           </a:p>
@@ -6182,7 +6183,7 @@
           <a:p>
             <a:fld id="{6C30E2DD-74F4-4D25-8085-F8A4703B7599}" type="datetimeFigureOut">
               <a:rPr lang="en-GB" smtClean="0"/>
-              <a:t>29/07/2024</a:t>
+              <a:t>20/08/2024</a:t>
             </a:fld>
             <a:endParaRPr lang="en-GB"/>
           </a:p>
@@ -6382,7 +6383,7 @@
           <a:p>
             <a:fld id="{6C30E2DD-74F4-4D25-8085-F8A4703B7599}" type="datetimeFigureOut">
               <a:rPr lang="en-GB" smtClean="0"/>
-              <a:t>29/07/2024</a:t>
+              <a:t>20/08/2024</a:t>
             </a:fld>
             <a:endParaRPr lang="en-GB"/>
           </a:p>
@@ -6658,7 +6659,7 @@
           <a:p>
             <a:fld id="{6C30E2DD-74F4-4D25-8085-F8A4703B7599}" type="datetimeFigureOut">
               <a:rPr lang="en-GB" smtClean="0"/>
-              <a:t>29/07/2024</a:t>
+              <a:t>20/08/2024</a:t>
             </a:fld>
             <a:endParaRPr lang="en-GB"/>
           </a:p>
@@ -6926,7 +6927,7 @@
           <a:p>
             <a:fld id="{6C30E2DD-74F4-4D25-8085-F8A4703B7599}" type="datetimeFigureOut">
               <a:rPr lang="en-GB" smtClean="0"/>
-              <a:t>29/07/2024</a:t>
+              <a:t>20/08/2024</a:t>
             </a:fld>
             <a:endParaRPr lang="en-GB"/>
           </a:p>
@@ -7341,7 +7342,7 @@
           <a:p>
             <a:fld id="{6C30E2DD-74F4-4D25-8085-F8A4703B7599}" type="datetimeFigureOut">
               <a:rPr lang="en-GB" smtClean="0"/>
-              <a:t>29/07/2024</a:t>
+              <a:t>20/08/2024</a:t>
             </a:fld>
             <a:endParaRPr lang="en-GB"/>
           </a:p>
@@ -7483,7 +7484,7 @@
           <a:p>
             <a:fld id="{6C30E2DD-74F4-4D25-8085-F8A4703B7599}" type="datetimeFigureOut">
               <a:rPr lang="en-GB" smtClean="0"/>
-              <a:t>29/07/2024</a:t>
+              <a:t>20/08/2024</a:t>
             </a:fld>
             <a:endParaRPr lang="en-GB"/>
           </a:p>
@@ -7596,7 +7597,7 @@
           <a:p>
             <a:fld id="{6C30E2DD-74F4-4D25-8085-F8A4703B7599}" type="datetimeFigureOut">
               <a:rPr lang="en-GB" smtClean="0"/>
-              <a:t>29/07/2024</a:t>
+              <a:t>20/08/2024</a:t>
             </a:fld>
             <a:endParaRPr lang="en-GB"/>
           </a:p>
@@ -7909,7 +7910,7 @@
           <a:p>
             <a:fld id="{6C30E2DD-74F4-4D25-8085-F8A4703B7599}" type="datetimeFigureOut">
               <a:rPr lang="en-GB" smtClean="0"/>
-              <a:t>29/07/2024</a:t>
+              <a:t>20/08/2024</a:t>
             </a:fld>
             <a:endParaRPr lang="en-GB"/>
           </a:p>
@@ -8198,7 +8199,7 @@
           <a:p>
             <a:fld id="{6C30E2DD-74F4-4D25-8085-F8A4703B7599}" type="datetimeFigureOut">
               <a:rPr lang="en-GB" smtClean="0"/>
-              <a:t>29/07/2024</a:t>
+              <a:t>20/08/2024</a:t>
             </a:fld>
             <a:endParaRPr lang="en-GB"/>
           </a:p>
@@ -8441,7 +8442,7 @@
           <a:p>
             <a:fld id="{6C30E2DD-74F4-4D25-8085-F8A4703B7599}" type="datetimeFigureOut">
               <a:rPr lang="en-GB" smtClean="0"/>
-              <a:t>29/07/2024</a:t>
+              <a:t>20/08/2024</a:t>
             </a:fld>
             <a:endParaRPr lang="en-GB"/>
           </a:p>
@@ -9287,7 +9288,7 @@
             </a:pPr>
             <a:r>
               <a:rPr lang="en-IN" sz="1600" dirty="0"/>
-              <a:t>	Top 3 Makers                                                                    Bottom 3 Makers</a:t>
+              <a:t>	                    Top 3 Makers                                                                    Bottom 3 Makers</a:t>
             </a:r>
           </a:p>
           <a:p>
@@ -9360,20 +9361,6 @@
             <a:endParaRPr lang="en-IN" sz="1600" dirty="0"/>
           </a:p>
           <a:p>
-            <a:r>
-              <a:rPr lang="en-IN" sz="1600" dirty="0"/>
-              <a:t>3) </a:t>
-            </a:r>
-            <a:r>
-              <a:rPr lang="en-IN" sz="1100" dirty="0"/>
-              <a:t>. </a:t>
-            </a:r>
-            <a:r>
-              <a:rPr lang="en-IN" sz="1600" dirty="0"/>
-              <a:t>List the states with negative penetration (decline) in EV sales from 2022 to 2024?</a:t>
-            </a:r>
-          </a:p>
-          <a:p>
             <a:endParaRPr lang="en-IN" sz="1600" dirty="0"/>
           </a:p>
           <a:p>
@@ -9386,10 +9373,10 @@
       </p:sp>
       <p:pic>
         <p:nvPicPr>
-          <p:cNvPr id="7" name="Picture 6">
+          <p:cNvPr id="4" name="Picture 3">
             <a:extLst>
               <a:ext uri="{FF2B5EF4-FFF2-40B4-BE49-F238E27FC236}">
-                <a16:creationId xmlns:a16="http://schemas.microsoft.com/office/drawing/2014/main" id="{912EFDC8-0DCB-7075-AF8C-DD0F4AC620F3}"/>
+                <a16:creationId xmlns:a16="http://schemas.microsoft.com/office/drawing/2014/main" id="{17AFFD48-AE63-F19E-F9D4-5DF0F4D84BD3}"/>
               </a:ext>
             </a:extLst>
           </p:cNvPr>
@@ -9406,20 +9393,56 @@
         </p:blipFill>
         <p:spPr>
           <a:xfrm>
-            <a:off x="1809155" y="877441"/>
-            <a:ext cx="2600688" cy="1267002"/>
+            <a:off x="838200" y="1034527"/>
+            <a:ext cx="2324424" cy="1152686"/>
           </a:xfrm>
           <a:prstGeom prst="rect">
             <a:avLst/>
           </a:prstGeom>
         </p:spPr>
       </p:pic>
+      <p:sp>
+        <p:nvSpPr>
+          <p:cNvPr id="5" name="TextBox 4">
+            <a:extLst>
+              <a:ext uri="{FF2B5EF4-FFF2-40B4-BE49-F238E27FC236}">
+                <a16:creationId xmlns:a16="http://schemas.microsoft.com/office/drawing/2014/main" id="{387DCD7A-352A-1FEE-8A5E-34046B0B2752}"/>
+              </a:ext>
+            </a:extLst>
+          </p:cNvPr>
+          <p:cNvSpPr txBox="1"/>
+          <p:nvPr/>
+        </p:nvSpPr>
+        <p:spPr>
+          <a:xfrm>
+            <a:off x="1683171" y="784607"/>
+            <a:ext cx="490862" cy="261610"/>
+          </a:xfrm>
+          <a:prstGeom prst="rect">
+            <a:avLst/>
+          </a:prstGeom>
+          <a:noFill/>
+        </p:spPr>
+        <p:txBody>
+          <a:bodyPr wrap="square" rtlCol="0">
+            <a:spAutoFit/>
+          </a:bodyPr>
+          <a:lstStyle/>
+          <a:p>
+            <a:r>
+              <a:rPr lang="en-US" sz="1100" dirty="0"/>
+              <a:t>2023</a:t>
+            </a:r>
+            <a:endParaRPr lang="en-GB" sz="1100" dirty="0"/>
+          </a:p>
+        </p:txBody>
+      </p:sp>
       <p:pic>
         <p:nvPicPr>
-          <p:cNvPr id="9" name="Picture 8">
+          <p:cNvPr id="8" name="Picture 7">
             <a:extLst>
               <a:ext uri="{FF2B5EF4-FFF2-40B4-BE49-F238E27FC236}">
-                <a16:creationId xmlns:a16="http://schemas.microsoft.com/office/drawing/2014/main" id="{D70F9302-B7D2-EDBB-D4F8-FB151980272E}"/>
+                <a16:creationId xmlns:a16="http://schemas.microsoft.com/office/drawing/2014/main" id="{97A8CD18-24FC-DFD6-2982-38F385E0A158}"/>
               </a:ext>
             </a:extLst>
           </p:cNvPr>
@@ -9436,20 +9459,56 @@
         </p:blipFill>
         <p:spPr>
           <a:xfrm>
-            <a:off x="5688002" y="877441"/>
-            <a:ext cx="2476846" cy="1305107"/>
+            <a:off x="3277390" y="1034527"/>
+            <a:ext cx="2295845" cy="1124107"/>
           </a:xfrm>
           <a:prstGeom prst="rect">
             <a:avLst/>
           </a:prstGeom>
         </p:spPr>
       </p:pic>
+      <p:sp>
+        <p:nvSpPr>
+          <p:cNvPr id="10" name="TextBox 9">
+            <a:extLst>
+              <a:ext uri="{FF2B5EF4-FFF2-40B4-BE49-F238E27FC236}">
+                <a16:creationId xmlns:a16="http://schemas.microsoft.com/office/drawing/2014/main" id="{224ED8F7-EFAD-EB11-ABC8-F0F3828CC549}"/>
+              </a:ext>
+            </a:extLst>
+          </p:cNvPr>
+          <p:cNvSpPr txBox="1"/>
+          <p:nvPr/>
+        </p:nvSpPr>
+        <p:spPr>
+          <a:xfrm>
+            <a:off x="3934451" y="811075"/>
+            <a:ext cx="490862" cy="261610"/>
+          </a:xfrm>
+          <a:prstGeom prst="rect">
+            <a:avLst/>
+          </a:prstGeom>
+          <a:noFill/>
+        </p:spPr>
+        <p:txBody>
+          <a:bodyPr wrap="square" rtlCol="0">
+            <a:spAutoFit/>
+          </a:bodyPr>
+          <a:lstStyle/>
+          <a:p>
+            <a:r>
+              <a:rPr lang="en-US" sz="1100" dirty="0"/>
+              <a:t>2024</a:t>
+            </a:r>
+            <a:endParaRPr lang="en-GB" sz="1100" dirty="0"/>
+          </a:p>
+        </p:txBody>
+      </p:sp>
       <p:pic>
         <p:nvPicPr>
-          <p:cNvPr id="11" name="Picture 10">
+          <p:cNvPr id="14" name="Picture 13">
             <a:extLst>
               <a:ext uri="{FF2B5EF4-FFF2-40B4-BE49-F238E27FC236}">
-                <a16:creationId xmlns:a16="http://schemas.microsoft.com/office/drawing/2014/main" id="{46263033-47F6-B281-818D-88A3D99E44AA}"/>
+                <a16:creationId xmlns:a16="http://schemas.microsoft.com/office/drawing/2014/main" id="{CB1FF88D-4430-9B7A-9E4C-04D542491A66}"/>
               </a:ext>
             </a:extLst>
           </p:cNvPr>
@@ -9466,20 +9525,56 @@
         </p:blipFill>
         <p:spPr>
           <a:xfrm>
-            <a:off x="1372241" y="2615026"/>
-            <a:ext cx="2391109" cy="1800476"/>
+            <a:off x="5894841" y="1032222"/>
+            <a:ext cx="2324424" cy="1124108"/>
           </a:xfrm>
           <a:prstGeom prst="rect">
             <a:avLst/>
           </a:prstGeom>
         </p:spPr>
       </p:pic>
+      <p:sp>
+        <p:nvSpPr>
+          <p:cNvPr id="15" name="TextBox 14">
+            <a:extLst>
+              <a:ext uri="{FF2B5EF4-FFF2-40B4-BE49-F238E27FC236}">
+                <a16:creationId xmlns:a16="http://schemas.microsoft.com/office/drawing/2014/main" id="{1CA9EF99-E5F8-7725-34E4-8B95FB84C571}"/>
+              </a:ext>
+            </a:extLst>
+          </p:cNvPr>
+          <p:cNvSpPr txBox="1"/>
+          <p:nvPr/>
+        </p:nvSpPr>
+        <p:spPr>
+          <a:xfrm>
+            <a:off x="6649640" y="815021"/>
+            <a:ext cx="490862" cy="261610"/>
+          </a:xfrm>
+          <a:prstGeom prst="rect">
+            <a:avLst/>
+          </a:prstGeom>
+          <a:noFill/>
+        </p:spPr>
+        <p:txBody>
+          <a:bodyPr wrap="square" rtlCol="0">
+            <a:spAutoFit/>
+          </a:bodyPr>
+          <a:lstStyle/>
+          <a:p>
+            <a:r>
+              <a:rPr lang="en-US" sz="1100" dirty="0"/>
+              <a:t>2023</a:t>
+            </a:r>
+            <a:endParaRPr lang="en-GB" sz="1100" dirty="0"/>
+          </a:p>
+        </p:txBody>
+      </p:sp>
       <p:pic>
         <p:nvPicPr>
-          <p:cNvPr id="13" name="Picture 12">
+          <p:cNvPr id="17" name="Picture 16">
             <a:extLst>
               <a:ext uri="{FF2B5EF4-FFF2-40B4-BE49-F238E27FC236}">
-                <a16:creationId xmlns:a16="http://schemas.microsoft.com/office/drawing/2014/main" id="{CE019A49-84AC-E5EC-98EC-8711AE4290AC}"/>
+                <a16:creationId xmlns:a16="http://schemas.microsoft.com/office/drawing/2014/main" id="{C76CB334-1832-D07D-0FFB-177B47428379}"/>
               </a:ext>
             </a:extLst>
           </p:cNvPr>
@@ -9496,14 +9591,182 @@
         </p:blipFill>
         <p:spPr>
           <a:xfrm>
-            <a:off x="1500846" y="4987880"/>
-            <a:ext cx="2133898" cy="1057423"/>
+            <a:off x="8540871" y="1032222"/>
+            <a:ext cx="2305372" cy="1124108"/>
           </a:xfrm>
           <a:prstGeom prst="rect">
             <a:avLst/>
           </a:prstGeom>
         </p:spPr>
       </p:pic>
+      <p:sp>
+        <p:nvSpPr>
+          <p:cNvPr id="18" name="TextBox 17">
+            <a:extLst>
+              <a:ext uri="{FF2B5EF4-FFF2-40B4-BE49-F238E27FC236}">
+                <a16:creationId xmlns:a16="http://schemas.microsoft.com/office/drawing/2014/main" id="{314BC2B5-C372-9CFA-3AB9-80D858ACFC31}"/>
+              </a:ext>
+            </a:extLst>
+          </p:cNvPr>
+          <p:cNvSpPr txBox="1"/>
+          <p:nvPr/>
+        </p:nvSpPr>
+        <p:spPr>
+          <a:xfrm>
+            <a:off x="9364829" y="811075"/>
+            <a:ext cx="490862" cy="261610"/>
+          </a:xfrm>
+          <a:prstGeom prst="rect">
+            <a:avLst/>
+          </a:prstGeom>
+          <a:noFill/>
+        </p:spPr>
+        <p:txBody>
+          <a:bodyPr wrap="square" rtlCol="0">
+            <a:spAutoFit/>
+          </a:bodyPr>
+          <a:lstStyle/>
+          <a:p>
+            <a:r>
+              <a:rPr lang="en-US" sz="1100" dirty="0"/>
+              <a:t>2024</a:t>
+            </a:r>
+            <a:endParaRPr lang="en-GB" sz="1100" dirty="0"/>
+          </a:p>
+        </p:txBody>
+      </p:sp>
+      <p:pic>
+        <p:nvPicPr>
+          <p:cNvPr id="20" name="Picture 19">
+            <a:extLst>
+              <a:ext uri="{FF2B5EF4-FFF2-40B4-BE49-F238E27FC236}">
+                <a16:creationId xmlns:a16="http://schemas.microsoft.com/office/drawing/2014/main" id="{52A0E788-E0BB-91BD-4507-973C26054BD1}"/>
+              </a:ext>
+            </a:extLst>
+          </p:cNvPr>
+          <p:cNvPicPr>
+            <a:picLocks noChangeAspect="1"/>
+          </p:cNvPicPr>
+          <p:nvPr/>
+        </p:nvPicPr>
+        <p:blipFill>
+          <a:blip r:embed="rId6"/>
+          <a:stretch>
+            <a:fillRect/>
+          </a:stretch>
+        </p:blipFill>
+        <p:spPr>
+          <a:xfrm>
+            <a:off x="1062068" y="2790606"/>
+            <a:ext cx="1876687" cy="1743318"/>
+          </a:xfrm>
+          <a:prstGeom prst="rect">
+            <a:avLst/>
+          </a:prstGeom>
+        </p:spPr>
+      </p:pic>
+      <p:sp>
+        <p:nvSpPr>
+          <p:cNvPr id="21" name="TextBox 20">
+            <a:extLst>
+              <a:ext uri="{FF2B5EF4-FFF2-40B4-BE49-F238E27FC236}">
+                <a16:creationId xmlns:a16="http://schemas.microsoft.com/office/drawing/2014/main" id="{C38CEDE6-3804-BD24-4DF1-40E39D07A7C8}"/>
+              </a:ext>
+            </a:extLst>
+          </p:cNvPr>
+          <p:cNvSpPr txBox="1"/>
+          <p:nvPr/>
+        </p:nvSpPr>
+        <p:spPr>
+          <a:xfrm>
+            <a:off x="1062068" y="2510364"/>
+            <a:ext cx="2295845" cy="261610"/>
+          </a:xfrm>
+          <a:prstGeom prst="rect">
+            <a:avLst/>
+          </a:prstGeom>
+          <a:noFill/>
+        </p:spPr>
+        <p:txBody>
+          <a:bodyPr wrap="square" rtlCol="0">
+            <a:spAutoFit/>
+          </a:bodyPr>
+          <a:lstStyle/>
+          <a:p>
+            <a:r>
+              <a:rPr lang="en-US" sz="1100" dirty="0"/>
+              <a:t>Top 5 Penetration rate in 2-wheeler</a:t>
+            </a:r>
+            <a:endParaRPr lang="en-GB" sz="1100" dirty="0"/>
+          </a:p>
+        </p:txBody>
+      </p:sp>
+      <p:pic>
+        <p:nvPicPr>
+          <p:cNvPr id="23" name="Picture 22">
+            <a:extLst>
+              <a:ext uri="{FF2B5EF4-FFF2-40B4-BE49-F238E27FC236}">
+                <a16:creationId xmlns:a16="http://schemas.microsoft.com/office/drawing/2014/main" id="{C3D65EB5-4339-6649-E58F-7E678509EDCA}"/>
+              </a:ext>
+            </a:extLst>
+          </p:cNvPr>
+          <p:cNvPicPr>
+            <a:picLocks noChangeAspect="1"/>
+          </p:cNvPicPr>
+          <p:nvPr/>
+        </p:nvPicPr>
+        <p:blipFill>
+          <a:blip r:embed="rId7"/>
+          <a:stretch>
+            <a:fillRect/>
+          </a:stretch>
+        </p:blipFill>
+        <p:spPr>
+          <a:xfrm>
+            <a:off x="5301920" y="2771553"/>
+            <a:ext cx="1838582" cy="1762371"/>
+          </a:xfrm>
+          <a:prstGeom prst="rect">
+            <a:avLst/>
+          </a:prstGeom>
+        </p:spPr>
+      </p:pic>
+      <p:sp>
+        <p:nvSpPr>
+          <p:cNvPr id="24" name="TextBox 23">
+            <a:extLst>
+              <a:ext uri="{FF2B5EF4-FFF2-40B4-BE49-F238E27FC236}">
+                <a16:creationId xmlns:a16="http://schemas.microsoft.com/office/drawing/2014/main" id="{C68D52F2-9C7F-CE61-DF71-5899A0EABB91}"/>
+              </a:ext>
+            </a:extLst>
+          </p:cNvPr>
+          <p:cNvSpPr txBox="1"/>
+          <p:nvPr/>
+        </p:nvSpPr>
+        <p:spPr>
+          <a:xfrm>
+            <a:off x="5073288" y="2510364"/>
+            <a:ext cx="2295845" cy="261610"/>
+          </a:xfrm>
+          <a:prstGeom prst="rect">
+            <a:avLst/>
+          </a:prstGeom>
+          <a:noFill/>
+        </p:spPr>
+        <p:txBody>
+          <a:bodyPr wrap="square" rtlCol="0">
+            <a:spAutoFit/>
+          </a:bodyPr>
+          <a:lstStyle/>
+          <a:p>
+            <a:r>
+              <a:rPr lang="en-US" sz="1100" dirty="0"/>
+              <a:t>Top 5 Penetration rate in 4-wheeler</a:t>
+            </a:r>
+            <a:endParaRPr lang="en-GB" sz="1100" dirty="0"/>
+          </a:p>
+        </p:txBody>
+      </p:sp>
     </p:spTree>
     <p:extLst>
       <p:ext uri="{BB962C8B-B14F-4D97-AF65-F5344CB8AC3E}">
@@ -9539,7 +9802,7 @@
           <p:cNvPr id="3" name="Content Placeholder 2">
             <a:extLst>
               <a:ext uri="{FF2B5EF4-FFF2-40B4-BE49-F238E27FC236}">
-                <a16:creationId xmlns:a16="http://schemas.microsoft.com/office/drawing/2014/main" id="{DAB2785F-5F21-7123-DC72-0A38E391EA02}"/>
+                <a16:creationId xmlns:a16="http://schemas.microsoft.com/office/drawing/2014/main" id="{616A8282-6F9C-20F5-6D47-19235902E52D}"/>
               </a:ext>
             </a:extLst>
           </p:cNvPr>
@@ -9552,8 +9815,8 @@
         </p:nvSpPr>
         <p:spPr>
           <a:xfrm>
-            <a:off x="838200" y="276045"/>
-            <a:ext cx="10515600" cy="5900918"/>
+            <a:off x="838200" y="155275"/>
+            <a:ext cx="10515600" cy="6021688"/>
           </a:xfrm>
         </p:spPr>
         <p:txBody>
@@ -9564,59 +9827,34 @@
           <a:p>
             <a:r>
               <a:rPr lang="en-IN" sz="1600" dirty="0"/>
-              <a:t>4) What are the quarterly trends based on sales volume for the top 5 EV makers (4-wheelers) from 2022 to 2024?</a:t>
-            </a:r>
-          </a:p>
-          <a:p>
-            <a:endParaRPr lang="en-IN" sz="1600" dirty="0"/>
-          </a:p>
-          <a:p>
-            <a:endParaRPr lang="en-IN" sz="1600" dirty="0"/>
-          </a:p>
-          <a:p>
-            <a:endParaRPr lang="en-IN" sz="1600" dirty="0"/>
+              <a:t>3) </a:t>
+            </a:r>
+            <a:r>
+              <a:rPr lang="en-IN" sz="1100" dirty="0"/>
+              <a:t>. </a:t>
+            </a:r>
+            <a:r>
+              <a:rPr lang="en-IN" sz="1600" dirty="0"/>
+              <a:t>List the states with negative penetration (decline) in EV sales from 2022 to 2024?</a:t>
+            </a:r>
           </a:p>
           <a:p>
             <a:pPr marL="0" indent="0">
               <a:buNone/>
             </a:pPr>
-            <a:endParaRPr lang="en-IN" sz="1600" dirty="0"/>
-          </a:p>
-          <a:p>
             <a:r>
               <a:rPr lang="en-IN" sz="1600" dirty="0"/>
-              <a:t>5) How do the EV sales and penetration rates in Delhi compare to Karnataka for 2024?</a:t>
-            </a:r>
-          </a:p>
-          <a:p>
-            <a:endParaRPr lang="en-IN" sz="1600" dirty="0"/>
-          </a:p>
-          <a:p>
-            <a:endParaRPr lang="en-IN" sz="1600" dirty="0"/>
-          </a:p>
-          <a:p>
-            <a:endParaRPr lang="en-IN" sz="1600" dirty="0"/>
-          </a:p>
-          <a:p>
-            <a:r>
-              <a:rPr lang="en-IN" sz="1600" dirty="0"/>
-              <a:t>6) List down the compounded annual growth rate (CAGR) in 4-wheeler units for the top 5 makers from 2022 to 2024.  </a:t>
-            </a:r>
-          </a:p>
-          <a:p>
-            <a:endParaRPr lang="en-IN" sz="1600" dirty="0"/>
-          </a:p>
-          <a:p>
-            <a:endParaRPr lang="en-GB" sz="1600" dirty="0"/>
+              <a:t>	</a:t>
+            </a:r>
           </a:p>
         </p:txBody>
       </p:sp>
       <p:pic>
         <p:nvPicPr>
-          <p:cNvPr id="5" name="Picture 4">
+          <p:cNvPr id="6" name="Picture 5">
             <a:extLst>
               <a:ext uri="{FF2B5EF4-FFF2-40B4-BE49-F238E27FC236}">
-                <a16:creationId xmlns:a16="http://schemas.microsoft.com/office/drawing/2014/main" id="{5539371C-AC62-CDEA-4620-AFCB2C8E65ED}"/>
+                <a16:creationId xmlns:a16="http://schemas.microsoft.com/office/drawing/2014/main" id="{A1D103EA-F5F8-D84B-50D9-D2B038530518}"/>
               </a:ext>
             </a:extLst>
           </p:cNvPr>
@@ -9633,8 +9871,8 @@
         </p:blipFill>
         <p:spPr>
           <a:xfrm>
-            <a:off x="1558540" y="619625"/>
-            <a:ext cx="5934903" cy="1386457"/>
+            <a:off x="5999822" y="865958"/>
+            <a:ext cx="1885950" cy="3295650"/>
           </a:xfrm>
           <a:prstGeom prst="rect">
             <a:avLst/>
@@ -9643,10 +9881,10 @@
       </p:pic>
       <p:pic>
         <p:nvPicPr>
-          <p:cNvPr id="7" name="Picture 6">
+          <p:cNvPr id="9" name="Picture 8">
             <a:extLst>
               <a:ext uri="{FF2B5EF4-FFF2-40B4-BE49-F238E27FC236}">
-                <a16:creationId xmlns:a16="http://schemas.microsoft.com/office/drawing/2014/main" id="{7E857B57-62B3-A944-B3C4-7D94D1C47A44}"/>
+                <a16:creationId xmlns:a16="http://schemas.microsoft.com/office/drawing/2014/main" id="{D38085B9-53BC-E206-E36D-BF48982AE4F3}"/>
               </a:ext>
             </a:extLst>
           </p:cNvPr>
@@ -9663,38 +9901,8 @@
         </p:blipFill>
         <p:spPr>
           <a:xfrm>
-            <a:off x="1558540" y="2349662"/>
-            <a:ext cx="3200847" cy="866896"/>
-          </a:xfrm>
-          <a:prstGeom prst="rect">
-            <a:avLst/>
-          </a:prstGeom>
-        </p:spPr>
-      </p:pic>
-      <p:pic>
-        <p:nvPicPr>
-          <p:cNvPr id="9" name="Picture 8">
-            <a:extLst>
-              <a:ext uri="{FF2B5EF4-FFF2-40B4-BE49-F238E27FC236}">
-                <a16:creationId xmlns:a16="http://schemas.microsoft.com/office/drawing/2014/main" id="{4C3897BA-4FE6-7714-7296-4264368EDA8F}"/>
-              </a:ext>
-            </a:extLst>
-          </p:cNvPr>
-          <p:cNvPicPr>
-            <a:picLocks noChangeAspect="1"/>
-          </p:cNvPicPr>
-          <p:nvPr/>
-        </p:nvPicPr>
-        <p:blipFill>
-          <a:blip r:embed="rId4"/>
-          <a:stretch>
-            <a:fillRect/>
-          </a:stretch>
-        </p:blipFill>
-        <p:spPr>
-          <a:xfrm>
-            <a:off x="1692769" y="3756393"/>
-            <a:ext cx="2276793" cy="1590897"/>
+            <a:off x="2531794" y="865958"/>
+            <a:ext cx="1752845" cy="3353268"/>
           </a:xfrm>
           <a:prstGeom prst="rect">
             <a:avLst/>
@@ -9704,7 +9912,7 @@
     </p:spTree>
     <p:extLst>
       <p:ext uri="{BB962C8B-B14F-4D97-AF65-F5344CB8AC3E}">
-        <p14:creationId xmlns:p14="http://schemas.microsoft.com/office/powerpoint/2010/main" val="284222791"/>
+        <p14:creationId xmlns:p14="http://schemas.microsoft.com/office/powerpoint/2010/main" val="2944832823"/>
       </p:ext>
     </p:extLst>
   </p:cSld>
@@ -9736,7 +9944,7 @@
           <p:cNvPr id="3" name="Content Placeholder 2">
             <a:extLst>
               <a:ext uri="{FF2B5EF4-FFF2-40B4-BE49-F238E27FC236}">
-                <a16:creationId xmlns:a16="http://schemas.microsoft.com/office/drawing/2014/main" id="{513CFAA4-199A-797E-24A7-4472531B1D38}"/>
+                <a16:creationId xmlns:a16="http://schemas.microsoft.com/office/drawing/2014/main" id="{DAB2785F-5F21-7123-DC72-0A38E391EA02}"/>
               </a:ext>
             </a:extLst>
           </p:cNvPr>
@@ -9749,8 +9957,8 @@
         </p:nvSpPr>
         <p:spPr>
           <a:xfrm>
-            <a:off x="838200" y="429208"/>
-            <a:ext cx="10515600" cy="5747755"/>
+            <a:off x="838200" y="276045"/>
+            <a:ext cx="10515600" cy="5900918"/>
           </a:xfrm>
         </p:spPr>
         <p:txBody>
@@ -9760,41 +9968,48 @@
           <a:lstStyle/>
           <a:p>
             <a:r>
-              <a:rPr lang="en-US" sz="1600" dirty="0"/>
-              <a:t>7) </a:t>
-            </a:r>
-            <a:r>
               <a:rPr lang="en-IN" sz="1600" dirty="0"/>
-              <a:t>. List down the top 10 states that had the highest compounded annual growth rate (CAGR) from 2022 to 2024 in total vehicles sold.</a:t>
-            </a:r>
-          </a:p>
-          <a:p>
-            <a:endParaRPr lang="en-GB" sz="1600" dirty="0"/>
-          </a:p>
-          <a:p>
-            <a:endParaRPr lang="en-GB" sz="1600" dirty="0"/>
-          </a:p>
-          <a:p>
-            <a:endParaRPr lang="en-GB" sz="1600" dirty="0"/>
-          </a:p>
-          <a:p>
-            <a:endParaRPr lang="en-GB" sz="1600" dirty="0"/>
-          </a:p>
-          <a:p>
-            <a:endParaRPr lang="en-GB" sz="1600" dirty="0"/>
-          </a:p>
-          <a:p>
-            <a:endParaRPr lang="en-GB" sz="1600" dirty="0"/>
-          </a:p>
-          <a:p>
-            <a:r>
-              <a:rPr lang="en-GB" sz="1600" dirty="0"/>
-              <a:t>8) </a:t>
-            </a:r>
+              <a:t>4) What are the quarterly trends based on sales volume for the top 5 EV makers (4-wheelers) from 2022 to 2024?</a:t>
+            </a:r>
+          </a:p>
+          <a:p>
+            <a:endParaRPr lang="en-IN" sz="1600" dirty="0"/>
+          </a:p>
+          <a:p>
+            <a:endParaRPr lang="en-IN" sz="1600" dirty="0"/>
+          </a:p>
+          <a:p>
+            <a:endParaRPr lang="en-IN" sz="1600" dirty="0"/>
+          </a:p>
+          <a:p>
+            <a:pPr marL="0" indent="0">
+              <a:buNone/>
+            </a:pPr>
+            <a:endParaRPr lang="en-IN" sz="1600" dirty="0"/>
+          </a:p>
+          <a:p>
             <a:r>
               <a:rPr lang="en-IN" sz="1600" dirty="0"/>
-              <a:t>What are the peak and low season months for EV sales based on the data from 2022 to 2024?</a:t>
-            </a:r>
+              <a:t>5) How do the EV sales and penetration rates in Delhi compare to Karnataka for 2024?</a:t>
+            </a:r>
+          </a:p>
+          <a:p>
+            <a:endParaRPr lang="en-IN" sz="1600" dirty="0"/>
+          </a:p>
+          <a:p>
+            <a:endParaRPr lang="en-IN" sz="1600" dirty="0"/>
+          </a:p>
+          <a:p>
+            <a:endParaRPr lang="en-IN" sz="1600" dirty="0"/>
+          </a:p>
+          <a:p>
+            <a:r>
+              <a:rPr lang="en-IN" sz="1600" dirty="0"/>
+              <a:t>6) List down the compounded annual growth rate (CAGR) in 4-wheeler units for the top 5 makers from 2022 to 2024.  </a:t>
+            </a:r>
+          </a:p>
+          <a:p>
+            <a:endParaRPr lang="en-IN" sz="1600" dirty="0"/>
           </a:p>
           <a:p>
             <a:endParaRPr lang="en-GB" sz="1600" dirty="0"/>
@@ -9806,7 +10021,7 @@
           <p:cNvPr id="5" name="Picture 4">
             <a:extLst>
               <a:ext uri="{FF2B5EF4-FFF2-40B4-BE49-F238E27FC236}">
-                <a16:creationId xmlns:a16="http://schemas.microsoft.com/office/drawing/2014/main" id="{631D261D-934A-9445-08F7-C02D68B1EFC0}"/>
+                <a16:creationId xmlns:a16="http://schemas.microsoft.com/office/drawing/2014/main" id="{5539371C-AC62-CDEA-4620-AFCB2C8E65ED}"/>
               </a:ext>
             </a:extLst>
           </p:cNvPr>
@@ -9823,8 +10038,8 @@
         </p:blipFill>
         <p:spPr>
           <a:xfrm>
-            <a:off x="3641986" y="786406"/>
-            <a:ext cx="2646847" cy="2162068"/>
+            <a:off x="1558540" y="619625"/>
+            <a:ext cx="5934903" cy="1386457"/>
           </a:xfrm>
           <a:prstGeom prst="rect">
             <a:avLst/>
@@ -9836,7 +10051,7 @@
           <p:cNvPr id="7" name="Picture 6">
             <a:extLst>
               <a:ext uri="{FF2B5EF4-FFF2-40B4-BE49-F238E27FC236}">
-                <a16:creationId xmlns:a16="http://schemas.microsoft.com/office/drawing/2014/main" id="{AF8662A2-F16B-6D18-8B8D-9E219B908A7A}"/>
+                <a16:creationId xmlns:a16="http://schemas.microsoft.com/office/drawing/2014/main" id="{7E857B57-62B3-A944-B3C4-7D94D1C47A44}"/>
               </a:ext>
             </a:extLst>
           </p:cNvPr>
@@ -9853,8 +10068,38 @@
         </p:blipFill>
         <p:spPr>
           <a:xfrm>
-            <a:off x="2008778" y="3524348"/>
-            <a:ext cx="3982006" cy="2076740"/>
+            <a:off x="1558540" y="2349662"/>
+            <a:ext cx="3200847" cy="866896"/>
+          </a:xfrm>
+          <a:prstGeom prst="rect">
+            <a:avLst/>
+          </a:prstGeom>
+        </p:spPr>
+      </p:pic>
+      <p:pic>
+        <p:nvPicPr>
+          <p:cNvPr id="8" name="Picture 7">
+            <a:extLst>
+              <a:ext uri="{FF2B5EF4-FFF2-40B4-BE49-F238E27FC236}">
+                <a16:creationId xmlns:a16="http://schemas.microsoft.com/office/drawing/2014/main" id="{36700FCB-0FED-F179-6C5D-56BE29229B3E}"/>
+              </a:ext>
+            </a:extLst>
+          </p:cNvPr>
+          <p:cNvPicPr>
+            <a:picLocks noChangeAspect="1"/>
+          </p:cNvPicPr>
+          <p:nvPr/>
+        </p:nvPicPr>
+        <p:blipFill>
+          <a:blip r:embed="rId4"/>
+          <a:stretch>
+            <a:fillRect/>
+          </a:stretch>
+        </p:blipFill>
+        <p:spPr>
+          <a:xfrm>
+            <a:off x="1345678" y="4037418"/>
+            <a:ext cx="2372056" cy="1629002"/>
           </a:xfrm>
           <a:prstGeom prst="rect">
             <a:avLst/>
@@ -9864,7 +10109,7 @@
     </p:spTree>
     <p:extLst>
       <p:ext uri="{BB962C8B-B14F-4D97-AF65-F5344CB8AC3E}">
-        <p14:creationId xmlns:p14="http://schemas.microsoft.com/office/powerpoint/2010/main" val="1234740925"/>
+        <p14:creationId xmlns:p14="http://schemas.microsoft.com/office/powerpoint/2010/main" val="284222791"/>
       </p:ext>
     </p:extLst>
   </p:cSld>
@@ -9896,7 +10141,7 @@
           <p:cNvPr id="3" name="Content Placeholder 2">
             <a:extLst>
               <a:ext uri="{FF2B5EF4-FFF2-40B4-BE49-F238E27FC236}">
-                <a16:creationId xmlns:a16="http://schemas.microsoft.com/office/drawing/2014/main" id="{6855513A-29EE-7E8D-F03E-51A141783761}"/>
+                <a16:creationId xmlns:a16="http://schemas.microsoft.com/office/drawing/2014/main" id="{513CFAA4-199A-797E-24A7-4472531B1D38}"/>
               </a:ext>
             </a:extLst>
           </p:cNvPr>
@@ -9909,8 +10154,8 @@
         </p:nvSpPr>
         <p:spPr>
           <a:xfrm>
-            <a:off x="838200" y="224287"/>
-            <a:ext cx="10515600" cy="5952676"/>
+            <a:off x="838200" y="429208"/>
+            <a:ext cx="10515600" cy="5747755"/>
           </a:xfrm>
         </p:spPr>
         <p:txBody>
@@ -9920,45 +10165,44 @@
           <a:lstStyle/>
           <a:p>
             <a:r>
+              <a:rPr lang="en-US" sz="1600" dirty="0"/>
+              <a:t>7) </a:t>
+            </a:r>
+            <a:r>
               <a:rPr lang="en-IN" sz="1600" dirty="0"/>
-              <a:t>9. What is the projected number of EV sales (including 2-wheelers and 4- wheelers) for the top 10 states by penetration rate in 2030, based on the compounded annual growth rate (CAGR) from previous years? </a:t>
-            </a:r>
-          </a:p>
-          <a:p>
-            <a:endParaRPr lang="en-IN" sz="1600" dirty="0"/>
-          </a:p>
-          <a:p>
-            <a:endParaRPr lang="en-IN" sz="1600" dirty="0"/>
-          </a:p>
-          <a:p>
-            <a:endParaRPr lang="en-IN" sz="1600" dirty="0"/>
-          </a:p>
-          <a:p>
-            <a:endParaRPr lang="en-IN" sz="1600" dirty="0"/>
-          </a:p>
-          <a:p>
-            <a:pPr marL="0" indent="0">
-              <a:buNone/>
-            </a:pPr>
-            <a:endParaRPr lang="en-IN" sz="1600" dirty="0"/>
-          </a:p>
-          <a:p>
-            <a:pPr marL="0" indent="0">
-              <a:buNone/>
-            </a:pPr>
-            <a:endParaRPr lang="en-IN" sz="1600" dirty="0"/>
-          </a:p>
-          <a:p>
+              <a:t>. List down the top 10 states that had the highest compounded annual growth rate (CAGR) from 2022 to 2024 in total vehicles sold.</a:t>
+            </a:r>
+          </a:p>
+          <a:p>
+            <a:endParaRPr lang="en-GB" sz="1600" dirty="0"/>
+          </a:p>
+          <a:p>
+            <a:endParaRPr lang="en-GB" sz="1600" dirty="0"/>
+          </a:p>
+          <a:p>
+            <a:endParaRPr lang="en-GB" sz="1600" dirty="0"/>
+          </a:p>
+          <a:p>
+            <a:endParaRPr lang="en-GB" sz="1600" dirty="0"/>
+          </a:p>
+          <a:p>
+            <a:endParaRPr lang="en-GB" sz="1600" dirty="0"/>
+          </a:p>
+          <a:p>
+            <a:endParaRPr lang="en-GB" sz="1600" dirty="0"/>
+          </a:p>
+          <a:p>
+            <a:endParaRPr lang="en-GB" sz="1600" dirty="0"/>
+          </a:p>
+          <a:p>
+            <a:r>
+              <a:rPr lang="en-GB" sz="1600" dirty="0"/>
+              <a:t>8) </a:t>
+            </a:r>
             <a:r>
               <a:rPr lang="en-IN" sz="1600" dirty="0"/>
-              <a:t>10) Estimate the revenue growth rate of 4-wheeler and 2-wheelers EVs in India for 2022 vs 2024 and 2023 vs 2024,  assuming an average unit price. H </a:t>
-            </a:r>
-          </a:p>
-          <a:p>
-            <a:endParaRPr lang="en-IN" sz="1600" dirty="0"/>
-          </a:p>
-          <a:p>
-            <a:endParaRPr lang="en-IN" sz="1600" dirty="0"/>
+              <a:t>What are the peak and low season months for EV sales based on the data from 2022 to 2024?</a:t>
+            </a:r>
           </a:p>
           <a:p>
             <a:endParaRPr lang="en-GB" sz="1600" dirty="0"/>
@@ -9967,10 +10211,10 @@
       </p:sp>
       <p:pic>
         <p:nvPicPr>
-          <p:cNvPr id="5" name="Picture 4">
+          <p:cNvPr id="4" name="Picture 3">
             <a:extLst>
               <a:ext uri="{FF2B5EF4-FFF2-40B4-BE49-F238E27FC236}">
-                <a16:creationId xmlns:a16="http://schemas.microsoft.com/office/drawing/2014/main" id="{0976CE7A-1AFA-4E22-C8C8-DDF4FDF04261}"/>
+                <a16:creationId xmlns:a16="http://schemas.microsoft.com/office/drawing/2014/main" id="{75994841-9EED-748C-60B3-6AE8626FB34B}"/>
               </a:ext>
             </a:extLst>
           </p:cNvPr>
@@ -9987,8 +10231,8 @@
         </p:blipFill>
         <p:spPr>
           <a:xfrm>
-            <a:off x="1332427" y="921922"/>
-            <a:ext cx="3781953" cy="1667108"/>
+            <a:off x="3836674" y="777349"/>
+            <a:ext cx="2825384" cy="2461079"/>
           </a:xfrm>
           <a:prstGeom prst="rect">
             <a:avLst/>
@@ -9997,10 +10241,10 @@
       </p:pic>
       <p:pic>
         <p:nvPicPr>
-          <p:cNvPr id="7" name="Picture 6">
+          <p:cNvPr id="8" name="Picture 7">
             <a:extLst>
               <a:ext uri="{FF2B5EF4-FFF2-40B4-BE49-F238E27FC236}">
-                <a16:creationId xmlns:a16="http://schemas.microsoft.com/office/drawing/2014/main" id="{943E946B-DFA3-9D98-AB97-726D1229D970}"/>
+                <a16:creationId xmlns:a16="http://schemas.microsoft.com/office/drawing/2014/main" id="{FFA29695-4BE3-B4C4-1809-A5C1449B1542}"/>
               </a:ext>
             </a:extLst>
           </p:cNvPr>
@@ -10017,150 +10261,18 @@
         </p:blipFill>
         <p:spPr>
           <a:xfrm>
-            <a:off x="4402189" y="3223904"/>
-            <a:ext cx="2022041" cy="489680"/>
+            <a:off x="2942258" y="3914260"/>
+            <a:ext cx="4086795" cy="1810003"/>
           </a:xfrm>
           <a:prstGeom prst="rect">
             <a:avLst/>
           </a:prstGeom>
         </p:spPr>
       </p:pic>
-      <p:pic>
-        <p:nvPicPr>
-          <p:cNvPr id="11" name="Picture 10">
-            <a:extLst>
-              <a:ext uri="{FF2B5EF4-FFF2-40B4-BE49-F238E27FC236}">
-                <a16:creationId xmlns:a16="http://schemas.microsoft.com/office/drawing/2014/main" id="{82DC89CE-ABBA-EEF8-6769-B22581FB81DB}"/>
-              </a:ext>
-            </a:extLst>
-          </p:cNvPr>
-          <p:cNvPicPr>
-            <a:picLocks noChangeAspect="1"/>
-          </p:cNvPicPr>
-          <p:nvPr/>
-        </p:nvPicPr>
-        <p:blipFill>
-          <a:blip r:embed="rId4"/>
-          <a:stretch>
-            <a:fillRect/>
-          </a:stretch>
-        </p:blipFill>
-        <p:spPr>
-          <a:xfrm>
-            <a:off x="1661353" y="3478300"/>
-            <a:ext cx="2524477" cy="2172003"/>
-          </a:xfrm>
-          <a:prstGeom prst="rect">
-            <a:avLst/>
-          </a:prstGeom>
-        </p:spPr>
-      </p:pic>
-      <p:pic>
-        <p:nvPicPr>
-          <p:cNvPr id="13" name="Picture 12">
-            <a:extLst>
-              <a:ext uri="{FF2B5EF4-FFF2-40B4-BE49-F238E27FC236}">
-                <a16:creationId xmlns:a16="http://schemas.microsoft.com/office/drawing/2014/main" id="{F7FFE1AD-E274-0755-BBE5-31157F599BA6}"/>
-              </a:ext>
-            </a:extLst>
-          </p:cNvPr>
-          <p:cNvPicPr>
-            <a:picLocks noChangeAspect="1"/>
-          </p:cNvPicPr>
-          <p:nvPr/>
-        </p:nvPicPr>
-        <p:blipFill>
-          <a:blip r:embed="rId5"/>
-          <a:stretch>
-            <a:fillRect/>
-          </a:stretch>
-        </p:blipFill>
-        <p:spPr>
-          <a:xfrm>
-            <a:off x="6581109" y="3804643"/>
-            <a:ext cx="4772691" cy="2943636"/>
-          </a:xfrm>
-          <a:prstGeom prst="rect">
-            <a:avLst/>
-          </a:prstGeom>
-        </p:spPr>
-      </p:pic>
-      <p:sp>
-        <p:nvSpPr>
-          <p:cNvPr id="14" name="TextBox 13">
-            <a:extLst>
-              <a:ext uri="{FF2B5EF4-FFF2-40B4-BE49-F238E27FC236}">
-                <a16:creationId xmlns:a16="http://schemas.microsoft.com/office/drawing/2014/main" id="{E7A0B9BC-093D-ED04-DF45-595B5CD7A5AB}"/>
-              </a:ext>
-            </a:extLst>
-          </p:cNvPr>
-          <p:cNvSpPr txBox="1"/>
-          <p:nvPr/>
-        </p:nvSpPr>
-        <p:spPr>
-          <a:xfrm>
-            <a:off x="6988629" y="3429000"/>
-            <a:ext cx="1670179" cy="307777"/>
-          </a:xfrm>
-          <a:prstGeom prst="rect">
-            <a:avLst/>
-          </a:prstGeom>
-          <a:noFill/>
-        </p:spPr>
-        <p:txBody>
-          <a:bodyPr wrap="square" rtlCol="0">
-            <a:spAutoFit/>
-          </a:bodyPr>
-          <a:lstStyle/>
-          <a:p>
-            <a:r>
-              <a:rPr lang="en-US" sz="1400" b="1" dirty="0"/>
-              <a:t>Revenue 2022_24</a:t>
-            </a:r>
-            <a:endParaRPr lang="en-GB" sz="1400" b="1" dirty="0"/>
-          </a:p>
-        </p:txBody>
-      </p:sp>
-      <p:sp>
-        <p:nvSpPr>
-          <p:cNvPr id="15" name="TextBox 14">
-            <a:extLst>
-              <a:ext uri="{FF2B5EF4-FFF2-40B4-BE49-F238E27FC236}">
-                <a16:creationId xmlns:a16="http://schemas.microsoft.com/office/drawing/2014/main" id="{5BBEB568-70A6-D09B-7F09-AE7433E38DA8}"/>
-              </a:ext>
-            </a:extLst>
-          </p:cNvPr>
-          <p:cNvSpPr txBox="1"/>
-          <p:nvPr/>
-        </p:nvSpPr>
-        <p:spPr>
-          <a:xfrm>
-            <a:off x="9128417" y="3439197"/>
-            <a:ext cx="1670179" cy="307777"/>
-          </a:xfrm>
-          <a:prstGeom prst="rect">
-            <a:avLst/>
-          </a:prstGeom>
-          <a:noFill/>
-        </p:spPr>
-        <p:txBody>
-          <a:bodyPr wrap="square" rtlCol="0">
-            <a:spAutoFit/>
-          </a:bodyPr>
-          <a:lstStyle/>
-          <a:p>
-            <a:r>
-              <a:rPr lang="en-US" sz="1400" b="1" dirty="0"/>
-              <a:t>Revenue 2023_24</a:t>
-            </a:r>
-            <a:endParaRPr lang="en-GB" sz="1400" b="1" dirty="0"/>
-          </a:p>
-        </p:txBody>
-      </p:sp>
     </p:spTree>
     <p:extLst>
       <p:ext uri="{BB962C8B-B14F-4D97-AF65-F5344CB8AC3E}">
-        <p14:creationId xmlns:p14="http://schemas.microsoft.com/office/powerpoint/2010/main" val="1530998814"/>
+        <p14:creationId xmlns:p14="http://schemas.microsoft.com/office/powerpoint/2010/main" val="1234740925"/>
       </p:ext>
     </p:extLst>
   </p:cSld>
@@ -10189,45 +10301,10 @@
       </p:grpSpPr>
       <p:sp>
         <p:nvSpPr>
-          <p:cNvPr id="2" name="Title 1">
+          <p:cNvPr id="3" name="Content Placeholder 2">
             <a:extLst>
               <a:ext uri="{FF2B5EF4-FFF2-40B4-BE49-F238E27FC236}">
-                <a16:creationId xmlns:a16="http://schemas.microsoft.com/office/drawing/2014/main" id="{05F197FF-B057-6D95-19EF-72294CAED3BA}"/>
-              </a:ext>
-            </a:extLst>
-          </p:cNvPr>
-          <p:cNvSpPr>
-            <a:spLocks noGrp="1"/>
-          </p:cNvSpPr>
-          <p:nvPr>
-            <p:ph type="title"/>
-          </p:nvPr>
-        </p:nvSpPr>
-        <p:spPr>
-          <a:xfrm>
-            <a:off x="838200" y="365125"/>
-            <a:ext cx="10515600" cy="385373"/>
-          </a:xfrm>
-        </p:spPr>
-        <p:txBody>
-          <a:bodyPr>
-            <a:normAutofit fontScale="90000"/>
-          </a:bodyPr>
-          <a:lstStyle/>
-          <a:p>
-            <a:r>
-              <a:rPr lang="en-GB" sz="2800" b="1" dirty="0"/>
-              <a:t>Secondary Research Questions: </a:t>
-            </a:r>
-          </a:p>
-        </p:txBody>
-      </p:sp>
-      <p:sp>
-        <p:nvSpPr>
-          <p:cNvPr id="3" name="Content Placeholder 2">
-            <a:extLst>
-              <a:ext uri="{FF2B5EF4-FFF2-40B4-BE49-F238E27FC236}">
-                <a16:creationId xmlns:a16="http://schemas.microsoft.com/office/drawing/2014/main" id="{08D3303A-CE17-6520-FDE5-F44A2244F4D6}"/>
+                <a16:creationId xmlns:a16="http://schemas.microsoft.com/office/drawing/2014/main" id="{6855513A-29EE-7E8D-F03E-51A141783761}"/>
               </a:ext>
             </a:extLst>
           </p:cNvPr>
@@ -10240,8 +10317,8 @@
         </p:nvSpPr>
         <p:spPr>
           <a:xfrm>
-            <a:off x="838200" y="905774"/>
-            <a:ext cx="10515600" cy="5271189"/>
+            <a:off x="838200" y="224287"/>
+            <a:ext cx="10515600" cy="5952676"/>
           </a:xfrm>
         </p:spPr>
         <p:txBody>
@@ -10250,138 +10327,257 @@
           </a:bodyPr>
           <a:lstStyle/>
           <a:p>
+            <a:r>
+              <a:rPr lang="en-IN" sz="1600" dirty="0"/>
+              <a:t>9. What is the projected number of EV sales (including 2-wheelers and 4- wheelers) for the top 10 states by penetration rate in 2030, based on the compounded annual growth rate (CAGR) from previous years? </a:t>
+            </a:r>
+          </a:p>
+          <a:p>
+            <a:endParaRPr lang="en-IN" sz="1600" dirty="0"/>
+          </a:p>
+          <a:p>
+            <a:endParaRPr lang="en-IN" sz="1600" dirty="0"/>
+          </a:p>
+          <a:p>
+            <a:endParaRPr lang="en-IN" sz="1600" dirty="0"/>
+          </a:p>
+          <a:p>
+            <a:endParaRPr lang="en-IN" sz="1600" dirty="0"/>
+          </a:p>
+          <a:p>
             <a:pPr marL="0" indent="0">
               <a:buNone/>
             </a:pPr>
-            <a:r>
-              <a:rPr lang="en-US" sz="1600" dirty="0"/>
-              <a:t>1)</a:t>
-            </a:r>
-            <a:r>
-              <a:rPr lang="en-IN" sz="1600" dirty="0"/>
-              <a:t> What are the primary reasons for customers choosing 4-wheeler EVs in 2023 and 2024 (cost savings, environmental concerns, government incentives)?</a:t>
-            </a:r>
+            <a:endParaRPr lang="en-IN" sz="1600" dirty="0"/>
           </a:p>
           <a:p>
             <a:pPr marL="0" indent="0">
               <a:buNone/>
             </a:pPr>
-            <a:r>
-              <a:rPr lang="en-IN" sz="1600" dirty="0">
-                <a:latin typeface="Times New Roman" panose="02020603050405020304" pitchFamily="18" charset="0"/>
-                <a:cs typeface="Times New Roman" panose="02020603050405020304" pitchFamily="18" charset="0"/>
-              </a:rPr>
-              <a:t>Ans) </a:t>
-            </a:r>
-          </a:p>
-          <a:p>
-            <a:pPr marL="0" indent="0">
-              <a:buNone/>
-            </a:pPr>
-            <a:r>
-              <a:rPr lang="en-IN" sz="1600" b="1" dirty="0">
-                <a:latin typeface="Times New Roman" panose="02020603050405020304" pitchFamily="18" charset="0"/>
-                <a:cs typeface="Times New Roman" panose="02020603050405020304" pitchFamily="18" charset="0"/>
-              </a:rPr>
-              <a:t>Cost Savings:</a:t>
-            </a:r>
-          </a:p>
-          <a:p>
-            <a:r>
-              <a:rPr lang="en-IN" sz="1600" dirty="0">
-                <a:latin typeface="Times New Roman" panose="02020603050405020304" pitchFamily="18" charset="0"/>
-                <a:cs typeface="Times New Roman" panose="02020603050405020304" pitchFamily="18" charset="0"/>
-              </a:rPr>
-              <a:t>Lower Operating Costs: EVs generally have lower operating costs compared to traditional internal combustion engine (ICE) vehicles due to cheaper electricity compared to fuel and lower maintenance costs.</a:t>
-            </a:r>
-          </a:p>
-          <a:p>
-            <a:r>
-              <a:rPr lang="en-IN" sz="1600" dirty="0">
-                <a:latin typeface="Times New Roman" panose="02020603050405020304" pitchFamily="18" charset="0"/>
-                <a:cs typeface="Times New Roman" panose="02020603050405020304" pitchFamily="18" charset="0"/>
-              </a:rPr>
-              <a:t>Fuel Savings: The cost of electricity is often lower than that of gasoline or diesel, leading to significant savings over time.</a:t>
-            </a:r>
-          </a:p>
-          <a:p>
-            <a:pPr marL="0" indent="0">
-              <a:buNone/>
-            </a:pPr>
-            <a:r>
-              <a:rPr lang="en-IN" sz="1600" b="1" dirty="0">
-                <a:latin typeface="Times New Roman" panose="02020603050405020304" pitchFamily="18" charset="0"/>
-                <a:cs typeface="Times New Roman" panose="02020603050405020304" pitchFamily="18" charset="0"/>
-              </a:rPr>
-              <a:t>Environmental Concerns:</a:t>
-            </a:r>
-            <a:endParaRPr lang="en-IN" sz="1600" dirty="0">
-              <a:latin typeface="Times New Roman" panose="02020603050405020304" pitchFamily="18" charset="0"/>
-              <a:cs typeface="Times New Roman" panose="02020603050405020304" pitchFamily="18" charset="0"/>
-            </a:endParaRPr>
-          </a:p>
-          <a:p>
-            <a:r>
-              <a:rPr lang="en-IN" sz="1600" dirty="0">
-                <a:latin typeface="Times New Roman" panose="02020603050405020304" pitchFamily="18" charset="0"/>
-                <a:cs typeface="Times New Roman" panose="02020603050405020304" pitchFamily="18" charset="0"/>
-              </a:rPr>
-              <a:t>Reduction in Emissions: EVs produce zero tailpipe emissions, contributing to reduced air pollution and greenhouse gas emissions. This is a significant motivator for environmentally conscious consumers.</a:t>
-            </a:r>
-          </a:p>
-          <a:p>
-            <a:r>
-              <a:rPr lang="en-IN" sz="1600" dirty="0">
-                <a:latin typeface="Times New Roman" panose="02020603050405020304" pitchFamily="18" charset="0"/>
-                <a:cs typeface="Times New Roman" panose="02020603050405020304" pitchFamily="18" charset="0"/>
-              </a:rPr>
-              <a:t>Sustainability: Increasing awareness about climate change and the need for sustainable practices drives consumers to choose EVs to reduce their carbon footprint.</a:t>
-            </a:r>
-          </a:p>
-          <a:p>
-            <a:pPr marL="0" indent="0">
-              <a:buNone/>
-            </a:pPr>
-            <a:r>
-              <a:rPr lang="en-IN" sz="1600" b="1" dirty="0">
-                <a:latin typeface="Times New Roman" panose="02020603050405020304" pitchFamily="18" charset="0"/>
-                <a:cs typeface="Times New Roman" panose="02020603050405020304" pitchFamily="18" charset="0"/>
-              </a:rPr>
-              <a:t>Government Incentives:</a:t>
-            </a:r>
-            <a:endParaRPr lang="en-IN" sz="1600" dirty="0">
-              <a:latin typeface="Times New Roman" panose="02020603050405020304" pitchFamily="18" charset="0"/>
-              <a:cs typeface="Times New Roman" panose="02020603050405020304" pitchFamily="18" charset="0"/>
-            </a:endParaRPr>
-          </a:p>
-          <a:p>
-            <a:r>
-              <a:rPr lang="en-IN" sz="1600" dirty="0">
-                <a:latin typeface="Times New Roman" panose="02020603050405020304" pitchFamily="18" charset="0"/>
-                <a:cs typeface="Times New Roman" panose="02020603050405020304" pitchFamily="18" charset="0"/>
-              </a:rPr>
-              <a:t>Subsidies and Tax Credits: Many governments offer financial incentives such as subsidies, tax credits, and rebates to reduce the initial purchase price of EVs.</a:t>
-            </a:r>
-          </a:p>
-          <a:p>
-            <a:r>
-              <a:rPr lang="en-IN" sz="1600" dirty="0">
-                <a:latin typeface="Times New Roman" panose="02020603050405020304" pitchFamily="18" charset="0"/>
-                <a:cs typeface="Times New Roman" panose="02020603050405020304" pitchFamily="18" charset="0"/>
-              </a:rPr>
-              <a:t>Infrastructure Development: Investment in charging infrastructure and other supportive measures makes EV ownership more convenient and practical.</a:t>
-            </a:r>
-            <a:endParaRPr lang="en-GB" sz="1600" dirty="0">
-              <a:latin typeface="Times New Roman" panose="02020603050405020304" pitchFamily="18" charset="0"/>
-              <a:cs typeface="Times New Roman" panose="02020603050405020304" pitchFamily="18" charset="0"/>
-            </a:endParaRPr>
+            <a:endParaRPr lang="en-IN" sz="1600" dirty="0"/>
+          </a:p>
+          <a:p>
+            <a:endParaRPr lang="en-IN" sz="1600" dirty="0"/>
+          </a:p>
+          <a:p>
+            <a:endParaRPr lang="en-IN" sz="1600" dirty="0"/>
+          </a:p>
+          <a:p>
+            <a:endParaRPr lang="en-IN" sz="1600" dirty="0"/>
+          </a:p>
+          <a:p>
+            <a:r>
+              <a:rPr lang="en-IN" sz="1600" dirty="0"/>
+              <a:t>10) Estimate the revenue growth rate of 4-wheeler and 2-wheelers EVs in India for 2022 vs 2024 and 2023 vs 2024,  assuming an average unit price. H </a:t>
+            </a:r>
+          </a:p>
+          <a:p>
+            <a:endParaRPr lang="en-IN" sz="1600" dirty="0"/>
+          </a:p>
+          <a:p>
+            <a:endParaRPr lang="en-IN" sz="1600" dirty="0"/>
+          </a:p>
+          <a:p>
+            <a:endParaRPr lang="en-GB" sz="1600" dirty="0"/>
           </a:p>
         </p:txBody>
       </p:sp>
+      <p:pic>
+        <p:nvPicPr>
+          <p:cNvPr id="7" name="Picture 6">
+            <a:extLst>
+              <a:ext uri="{FF2B5EF4-FFF2-40B4-BE49-F238E27FC236}">
+                <a16:creationId xmlns:a16="http://schemas.microsoft.com/office/drawing/2014/main" id="{943E946B-DFA3-9D98-AB97-726D1229D970}"/>
+              </a:ext>
+            </a:extLst>
+          </p:cNvPr>
+          <p:cNvPicPr>
+            <a:picLocks noChangeAspect="1"/>
+          </p:cNvPicPr>
+          <p:nvPr/>
+        </p:nvPicPr>
+        <p:blipFill>
+          <a:blip r:embed="rId2"/>
+          <a:stretch>
+            <a:fillRect/>
+          </a:stretch>
+        </p:blipFill>
+        <p:spPr>
+          <a:xfrm>
+            <a:off x="1125485" y="4376666"/>
+            <a:ext cx="2022041" cy="489680"/>
+          </a:xfrm>
+          <a:prstGeom prst="rect">
+            <a:avLst/>
+          </a:prstGeom>
+        </p:spPr>
+      </p:pic>
+      <p:pic>
+        <p:nvPicPr>
+          <p:cNvPr id="11" name="Picture 10">
+            <a:extLst>
+              <a:ext uri="{FF2B5EF4-FFF2-40B4-BE49-F238E27FC236}">
+                <a16:creationId xmlns:a16="http://schemas.microsoft.com/office/drawing/2014/main" id="{82DC89CE-ABBA-EEF8-6769-B22581FB81DB}"/>
+              </a:ext>
+            </a:extLst>
+          </p:cNvPr>
+          <p:cNvPicPr>
+            <a:picLocks noChangeAspect="1"/>
+          </p:cNvPicPr>
+          <p:nvPr/>
+        </p:nvPicPr>
+        <p:blipFill>
+          <a:blip r:embed="rId3"/>
+          <a:stretch>
+            <a:fillRect/>
+          </a:stretch>
+        </p:blipFill>
+        <p:spPr>
+          <a:xfrm>
+            <a:off x="1125485" y="5013856"/>
+            <a:ext cx="2113510" cy="1818416"/>
+          </a:xfrm>
+          <a:prstGeom prst="rect">
+            <a:avLst/>
+          </a:prstGeom>
+        </p:spPr>
+      </p:pic>
+      <p:pic>
+        <p:nvPicPr>
+          <p:cNvPr id="13" name="Picture 12">
+            <a:extLst>
+              <a:ext uri="{FF2B5EF4-FFF2-40B4-BE49-F238E27FC236}">
+                <a16:creationId xmlns:a16="http://schemas.microsoft.com/office/drawing/2014/main" id="{F7FFE1AD-E274-0755-BBE5-31157F599BA6}"/>
+              </a:ext>
+            </a:extLst>
+          </p:cNvPr>
+          <p:cNvPicPr>
+            <a:picLocks noChangeAspect="1"/>
+          </p:cNvPicPr>
+          <p:nvPr/>
+        </p:nvPicPr>
+        <p:blipFill>
+          <a:blip r:embed="rId4"/>
+          <a:stretch>
+            <a:fillRect/>
+          </a:stretch>
+        </p:blipFill>
+        <p:spPr>
+          <a:xfrm>
+            <a:off x="4654241" y="4859744"/>
+            <a:ext cx="3051289" cy="1881933"/>
+          </a:xfrm>
+          <a:prstGeom prst="rect">
+            <a:avLst/>
+          </a:prstGeom>
+        </p:spPr>
+      </p:pic>
+      <p:sp>
+        <p:nvSpPr>
+          <p:cNvPr id="14" name="TextBox 13">
+            <a:extLst>
+              <a:ext uri="{FF2B5EF4-FFF2-40B4-BE49-F238E27FC236}">
+                <a16:creationId xmlns:a16="http://schemas.microsoft.com/office/drawing/2014/main" id="{E7A0B9BC-093D-ED04-DF45-595B5CD7A5AB}"/>
+              </a:ext>
+            </a:extLst>
+          </p:cNvPr>
+          <p:cNvSpPr txBox="1"/>
+          <p:nvPr/>
+        </p:nvSpPr>
+        <p:spPr>
+          <a:xfrm>
+            <a:off x="4442927" y="4551967"/>
+            <a:ext cx="1670179" cy="307777"/>
+          </a:xfrm>
+          <a:prstGeom prst="rect">
+            <a:avLst/>
+          </a:prstGeom>
+          <a:noFill/>
+        </p:spPr>
+        <p:txBody>
+          <a:bodyPr wrap="square" rtlCol="0">
+            <a:spAutoFit/>
+          </a:bodyPr>
+          <a:lstStyle/>
+          <a:p>
+            <a:r>
+              <a:rPr lang="en-US" sz="1400" b="1" dirty="0"/>
+              <a:t>Revenue 2022_24</a:t>
+            </a:r>
+            <a:endParaRPr lang="en-GB" sz="1400" b="1" dirty="0"/>
+          </a:p>
+        </p:txBody>
+      </p:sp>
+      <p:sp>
+        <p:nvSpPr>
+          <p:cNvPr id="15" name="TextBox 14">
+            <a:extLst>
+              <a:ext uri="{FF2B5EF4-FFF2-40B4-BE49-F238E27FC236}">
+                <a16:creationId xmlns:a16="http://schemas.microsoft.com/office/drawing/2014/main" id="{5BBEB568-70A6-D09B-7F09-AE7433E38DA8}"/>
+              </a:ext>
+            </a:extLst>
+          </p:cNvPr>
+          <p:cNvSpPr txBox="1"/>
+          <p:nvPr/>
+        </p:nvSpPr>
+        <p:spPr>
+          <a:xfrm>
+            <a:off x="6035351" y="4551966"/>
+            <a:ext cx="1670179" cy="307777"/>
+          </a:xfrm>
+          <a:prstGeom prst="rect">
+            <a:avLst/>
+          </a:prstGeom>
+          <a:noFill/>
+        </p:spPr>
+        <p:txBody>
+          <a:bodyPr wrap="square" rtlCol="0">
+            <a:spAutoFit/>
+          </a:bodyPr>
+          <a:lstStyle/>
+          <a:p>
+            <a:r>
+              <a:rPr lang="en-US" sz="1400" b="1" dirty="0"/>
+              <a:t>Revenue 2023_24</a:t>
+            </a:r>
+            <a:endParaRPr lang="en-GB" sz="1400" b="1" dirty="0"/>
+          </a:p>
+        </p:txBody>
+      </p:sp>
+      <p:pic>
+        <p:nvPicPr>
+          <p:cNvPr id="4" name="Picture 3">
+            <a:extLst>
+              <a:ext uri="{FF2B5EF4-FFF2-40B4-BE49-F238E27FC236}">
+                <a16:creationId xmlns:a16="http://schemas.microsoft.com/office/drawing/2014/main" id="{CCE4528B-3756-B61F-12C1-D9EC271D9DF1}"/>
+              </a:ext>
+            </a:extLst>
+          </p:cNvPr>
+          <p:cNvPicPr>
+            <a:picLocks noChangeAspect="1"/>
+          </p:cNvPicPr>
+          <p:nvPr/>
+        </p:nvPicPr>
+        <p:blipFill>
+          <a:blip r:embed="rId5"/>
+          <a:stretch>
+            <a:fillRect/>
+          </a:stretch>
+        </p:blipFill>
+        <p:spPr>
+          <a:xfrm>
+            <a:off x="2713223" y="789001"/>
+            <a:ext cx="2629267" cy="2924583"/>
+          </a:xfrm>
+          <a:prstGeom prst="rect">
+            <a:avLst/>
+          </a:prstGeom>
+        </p:spPr>
+      </p:pic>
     </p:spTree>
     <p:extLst>
       <p:ext uri="{BB962C8B-B14F-4D97-AF65-F5344CB8AC3E}">
-        <p14:creationId xmlns:p14="http://schemas.microsoft.com/office/powerpoint/2010/main" val="1797762080"/>
+        <p14:creationId xmlns:p14="http://schemas.microsoft.com/office/powerpoint/2010/main" val="1530998814"/>
       </p:ext>
     </p:extLst>
   </p:cSld>
@@ -10413,7 +10609,7 @@
           <p:cNvPr id="2" name="Title 1">
             <a:extLst>
               <a:ext uri="{FF2B5EF4-FFF2-40B4-BE49-F238E27FC236}">
-                <a16:creationId xmlns:a16="http://schemas.microsoft.com/office/drawing/2014/main" id="{0A3283D2-BA4B-9463-2E32-27A2B91E8627}"/>
+                <a16:creationId xmlns:a16="http://schemas.microsoft.com/office/drawing/2014/main" id="{05F197FF-B057-6D95-19EF-72294CAED3BA}"/>
               </a:ext>
             </a:extLst>
           </p:cNvPr>
@@ -10426,21 +10622,20 @@
         </p:nvSpPr>
         <p:spPr>
           <a:xfrm>
-            <a:off x="838200" y="358954"/>
-            <a:ext cx="10515600" cy="644166"/>
+            <a:off x="838200" y="365125"/>
+            <a:ext cx="10515600" cy="385373"/>
           </a:xfrm>
         </p:spPr>
         <p:txBody>
           <a:bodyPr>
-            <a:noAutofit/>
+            <a:normAutofit fontScale="90000"/>
           </a:bodyPr>
           <a:lstStyle/>
           <a:p>
             <a:r>
-              <a:rPr lang="en-IN" sz="2000" dirty="0"/>
-              <a:t>2) How do government incentives and subsidies impact the adoption rates of 2-wheelers and 4-wheelers? Which states in India provided most subsidies?</a:t>
-            </a:r>
-            <a:endParaRPr lang="en-GB" sz="2000" dirty="0"/>
+              <a:rPr lang="en-GB" sz="2800" b="1" dirty="0"/>
+              <a:t>Secondary Research Questions: </a:t>
+            </a:r>
           </a:p>
         </p:txBody>
       </p:sp>
@@ -10449,7 +10644,7 @@
           <p:cNvPr id="3" name="Content Placeholder 2">
             <a:extLst>
               <a:ext uri="{FF2B5EF4-FFF2-40B4-BE49-F238E27FC236}">
-                <a16:creationId xmlns:a16="http://schemas.microsoft.com/office/drawing/2014/main" id="{7F59CAB7-B4D5-A48C-1045-E7A651F0249D}"/>
+                <a16:creationId xmlns:a16="http://schemas.microsoft.com/office/drawing/2014/main" id="{08D3303A-CE17-6520-FDE5-F44A2244F4D6}"/>
               </a:ext>
             </a:extLst>
           </p:cNvPr>
@@ -10462,8 +10657,8 @@
         </p:nvSpPr>
         <p:spPr>
           <a:xfrm>
-            <a:off x="838200" y="1406105"/>
-            <a:ext cx="10515600" cy="4045789"/>
+            <a:off x="838200" y="905774"/>
+            <a:ext cx="10515600" cy="5271189"/>
           </a:xfrm>
         </p:spPr>
         <p:txBody>
@@ -10472,15 +10667,71 @@
           </a:bodyPr>
           <a:lstStyle/>
           <a:p>
+            <a:pPr marL="0" indent="0">
+              <a:buNone/>
+            </a:pPr>
+            <a:r>
+              <a:rPr lang="en-US" sz="1600" dirty="0"/>
+              <a:t>1)</a:t>
+            </a:r>
+            <a:r>
+              <a:rPr lang="en-IN" sz="1600" dirty="0"/>
+              <a:t> What are the primary reasons for customers choosing 4-wheeler EVs in 2023 and 2024 (cost savings, environmental concerns, government incentives)?</a:t>
+            </a:r>
+          </a:p>
+          <a:p>
+            <a:pPr marL="0" indent="0">
+              <a:buNone/>
+            </a:pPr>
             <a:r>
               <a:rPr lang="en-IN" sz="1600" dirty="0">
                 <a:latin typeface="Times New Roman" panose="02020603050405020304" pitchFamily="18" charset="0"/>
                 <a:cs typeface="Times New Roman" panose="02020603050405020304" pitchFamily="18" charset="0"/>
               </a:rPr>
-              <a:t>Government incentives and subsidies play a crucial role in accelerating the adoption rates of both 2-wheelers and 4-wheelers by reducing the initial purchase cost and making EVs more affordable. </a:t>
-            </a:r>
-          </a:p>
-          <a:p>
+              <a:t>Ans) </a:t>
+            </a:r>
+          </a:p>
+          <a:p>
+            <a:pPr marL="0" indent="0">
+              <a:buNone/>
+            </a:pPr>
+            <a:r>
+              <a:rPr lang="en-IN" sz="1600" b="1" dirty="0">
+                <a:latin typeface="Times New Roman" panose="02020603050405020304" pitchFamily="18" charset="0"/>
+                <a:cs typeface="Times New Roman" panose="02020603050405020304" pitchFamily="18" charset="0"/>
+              </a:rPr>
+              <a:t>Cost Savings:</a:t>
+            </a:r>
+          </a:p>
+          <a:p>
+            <a:r>
+              <a:rPr lang="en-IN" sz="1600" dirty="0">
+                <a:latin typeface="Times New Roman" panose="02020603050405020304" pitchFamily="18" charset="0"/>
+                <a:cs typeface="Times New Roman" panose="02020603050405020304" pitchFamily="18" charset="0"/>
+              </a:rPr>
+              <a:t>Lower Operating Costs: EVs generally have lower operating costs compared to traditional internal combustion engine (ICE) vehicles due to cheaper electricity compared to fuel and lower maintenance costs.</a:t>
+            </a:r>
+          </a:p>
+          <a:p>
+            <a:r>
+              <a:rPr lang="en-IN" sz="1600" dirty="0">
+                <a:latin typeface="Times New Roman" panose="02020603050405020304" pitchFamily="18" charset="0"/>
+                <a:cs typeface="Times New Roman" panose="02020603050405020304" pitchFamily="18" charset="0"/>
+              </a:rPr>
+              <a:t>Fuel Savings: The cost of electricity is often lower than that of gasoline or diesel, leading to significant savings over time.</a:t>
+            </a:r>
+          </a:p>
+          <a:p>
+            <a:pPr marL="0" indent="0">
+              <a:buNone/>
+            </a:pPr>
+            <a:r>
+              <a:rPr lang="en-IN" sz="1600" b="1" dirty="0">
+                <a:latin typeface="Times New Roman" panose="02020603050405020304" pitchFamily="18" charset="0"/>
+                <a:cs typeface="Times New Roman" panose="02020603050405020304" pitchFamily="18" charset="0"/>
+              </a:rPr>
+              <a:t>Environmental Concerns:</a:t>
+            </a:r>
             <a:endParaRPr lang="en-IN" sz="1600" dirty="0">
               <a:latin typeface="Times New Roman" panose="02020603050405020304" pitchFamily="18" charset="0"/>
               <a:cs typeface="Times New Roman" panose="02020603050405020304" pitchFamily="18" charset="0"/>
@@ -10492,10 +10743,29 @@
                 <a:latin typeface="Times New Roman" panose="02020603050405020304" pitchFamily="18" charset="0"/>
                 <a:cs typeface="Times New Roman" panose="02020603050405020304" pitchFamily="18" charset="0"/>
               </a:rPr>
-              <a:t>States like Maharashtra, Gujarat, Tamil Nadu, Karnataka and Rajasthan lead in offering substantial financial incentives, including purchase subsidies, tax rebates, and infrastructure development support. </a:t>
-            </a:r>
-          </a:p>
-          <a:p>
+              <a:t>Reduction in Emissions: EVs produce zero tailpipe emissions, contributing to reduced air pollution and greenhouse gas emissions. This is a significant motivator for environmentally conscious consumers.</a:t>
+            </a:r>
+          </a:p>
+          <a:p>
+            <a:r>
+              <a:rPr lang="en-IN" sz="1600" dirty="0">
+                <a:latin typeface="Times New Roman" panose="02020603050405020304" pitchFamily="18" charset="0"/>
+                <a:cs typeface="Times New Roman" panose="02020603050405020304" pitchFamily="18" charset="0"/>
+              </a:rPr>
+              <a:t>Sustainability: Increasing awareness about climate change and the need for sustainable practices drives consumers to choose EVs to reduce their carbon footprint.</a:t>
+            </a:r>
+          </a:p>
+          <a:p>
+            <a:pPr marL="0" indent="0">
+              <a:buNone/>
+            </a:pPr>
+            <a:r>
+              <a:rPr lang="en-IN" sz="1600" b="1" dirty="0">
+                <a:latin typeface="Times New Roman" panose="02020603050405020304" pitchFamily="18" charset="0"/>
+                <a:cs typeface="Times New Roman" panose="02020603050405020304" pitchFamily="18" charset="0"/>
+              </a:rPr>
+              <a:t>Government Incentives:</a:t>
+            </a:r>
             <a:endParaRPr lang="en-IN" sz="1600" dirty="0">
               <a:latin typeface="Times New Roman" panose="02020603050405020304" pitchFamily="18" charset="0"/>
               <a:cs typeface="Times New Roman" panose="02020603050405020304" pitchFamily="18" charset="0"/>
@@ -10507,14 +10777,8 @@
                 <a:latin typeface="Times New Roman" panose="02020603050405020304" pitchFamily="18" charset="0"/>
                 <a:cs typeface="Times New Roman" panose="02020603050405020304" pitchFamily="18" charset="0"/>
               </a:rPr>
-              <a:t>These measures not only lower the overall cost of ownership but also boost consumer confidence and encourage early adoption.</a:t>
-            </a:r>
-          </a:p>
-          <a:p>
-            <a:endParaRPr lang="en-IN" sz="1600" dirty="0">
-              <a:latin typeface="Times New Roman" panose="02020603050405020304" pitchFamily="18" charset="0"/>
-              <a:cs typeface="Times New Roman" panose="02020603050405020304" pitchFamily="18" charset="0"/>
-            </a:endParaRPr>
+              <a:t>Subsidies and Tax Credits: Many governments offer financial incentives such as subsidies, tax credits, and rebates to reduce the initial purchase price of EVs.</a:t>
+            </a:r>
           </a:p>
           <a:p>
             <a:r>
@@ -10522,10 +10786,8 @@
                 <a:latin typeface="Times New Roman" panose="02020603050405020304" pitchFamily="18" charset="0"/>
                 <a:cs typeface="Times New Roman" panose="02020603050405020304" pitchFamily="18" charset="0"/>
               </a:rPr>
-              <a:t> By investing in charging infrastructure and providing consistent support, these states are fostering a favourable environment for the growth of the EV market in India.</a:t>
-            </a:r>
-          </a:p>
-          <a:p>
+              <a:t>Infrastructure Development: Investment in charging infrastructure and other supportive measures makes EV ownership more convenient and practical.</a:t>
+            </a:r>
             <a:endParaRPr lang="en-GB" sz="1600" dirty="0">
               <a:latin typeface="Times New Roman" panose="02020603050405020304" pitchFamily="18" charset="0"/>
               <a:cs typeface="Times New Roman" panose="02020603050405020304" pitchFamily="18" charset="0"/>
@@ -10536,7 +10798,7 @@
     </p:spTree>
     <p:extLst>
       <p:ext uri="{BB962C8B-B14F-4D97-AF65-F5344CB8AC3E}">
-        <p14:creationId xmlns:p14="http://schemas.microsoft.com/office/powerpoint/2010/main" val="826424811"/>
+        <p14:creationId xmlns:p14="http://schemas.microsoft.com/office/powerpoint/2010/main" val="1797762080"/>
       </p:ext>
     </p:extLst>
   </p:cSld>
@@ -10568,7 +10830,7 @@
           <p:cNvPr id="2" name="Title 1">
             <a:extLst>
               <a:ext uri="{FF2B5EF4-FFF2-40B4-BE49-F238E27FC236}">
-                <a16:creationId xmlns:a16="http://schemas.microsoft.com/office/drawing/2014/main" id="{160F4CF8-DB7A-3925-F055-C42B45EB7FF1}"/>
+                <a16:creationId xmlns:a16="http://schemas.microsoft.com/office/drawing/2014/main" id="{0A3283D2-BA4B-9463-2E32-27A2B91E8627}"/>
               </a:ext>
             </a:extLst>
           </p:cNvPr>
@@ -10581,8 +10843,8 @@
         </p:nvSpPr>
         <p:spPr>
           <a:xfrm>
-            <a:off x="743309" y="874085"/>
-            <a:ext cx="10515600" cy="566528"/>
+            <a:off x="838200" y="358954"/>
+            <a:ext cx="10515600" cy="644166"/>
           </a:xfrm>
         </p:spPr>
         <p:txBody>
@@ -10593,7 +10855,7 @@
           <a:p>
             <a:r>
               <a:rPr lang="en-IN" sz="2000" dirty="0"/>
-              <a:t>3) How does the availability of charging stations infrastructure correlate with the EV sales and penetration rates in the top 5 states?</a:t>
+              <a:t>2) How do government incentives and subsidies impact the adoption rates of 2-wheelers and 4-wheelers? Which states in India provided most subsidies?</a:t>
             </a:r>
             <a:endParaRPr lang="en-GB" sz="2000" dirty="0"/>
           </a:p>
@@ -10604,7 +10866,7 @@
           <p:cNvPr id="3" name="Content Placeholder 2">
             <a:extLst>
               <a:ext uri="{FF2B5EF4-FFF2-40B4-BE49-F238E27FC236}">
-                <a16:creationId xmlns:a16="http://schemas.microsoft.com/office/drawing/2014/main" id="{305557D3-27B3-647A-B43F-B9CD83ECE2CC}"/>
+                <a16:creationId xmlns:a16="http://schemas.microsoft.com/office/drawing/2014/main" id="{7F59CAB7-B4D5-A48C-1045-E7A651F0249D}"/>
               </a:ext>
             </a:extLst>
           </p:cNvPr>
@@ -10617,8 +10879,8 @@
         </p:nvSpPr>
         <p:spPr>
           <a:xfrm>
-            <a:off x="838200" y="1871932"/>
-            <a:ext cx="10515600" cy="4305031"/>
+            <a:off x="838200" y="1406105"/>
+            <a:ext cx="10515600" cy="4045789"/>
           </a:xfrm>
         </p:spPr>
         <p:txBody>
@@ -10632,8 +10894,14 @@
                 <a:latin typeface="Times New Roman" panose="02020603050405020304" pitchFamily="18" charset="0"/>
                 <a:cs typeface="Times New Roman" panose="02020603050405020304" pitchFamily="18" charset="0"/>
               </a:rPr>
-              <a:t>Convenience: More charging stations make it easier for people to charge their EVs, encouraging more people to buy them.</a:t>
-            </a:r>
+              <a:t>Government incentives and subsidies play a crucial role in accelerating the adoption rates of both 2-wheelers and 4-wheelers by reducing the initial purchase cost and making EVs more affordable. </a:t>
+            </a:r>
+          </a:p>
+          <a:p>
+            <a:endParaRPr lang="en-IN" sz="1600" dirty="0">
+              <a:latin typeface="Times New Roman" panose="02020603050405020304" pitchFamily="18" charset="0"/>
+              <a:cs typeface="Times New Roman" panose="02020603050405020304" pitchFamily="18" charset="0"/>
+            </a:endParaRPr>
           </a:p>
           <a:p>
             <a:r>
@@ -10641,8 +10909,14 @@
                 <a:latin typeface="Times New Roman" panose="02020603050405020304" pitchFamily="18" charset="0"/>
                 <a:cs typeface="Times New Roman" panose="02020603050405020304" pitchFamily="18" charset="0"/>
               </a:rPr>
-              <a:t>Government Support: States with lots of charging stations often have strong policies and incentives for EVs, which can help boost sales.</a:t>
-            </a:r>
+              <a:t>States like Maharashtra, Gujarat, Tamil Nadu, Karnataka and Rajasthan lead in offering substantial financial incentives, including purchase subsidies, tax rebates, and infrastructure development support. </a:t>
+            </a:r>
+          </a:p>
+          <a:p>
+            <a:endParaRPr lang="en-IN" sz="1600" dirty="0">
+              <a:latin typeface="Times New Roman" panose="02020603050405020304" pitchFamily="18" charset="0"/>
+              <a:cs typeface="Times New Roman" panose="02020603050405020304" pitchFamily="18" charset="0"/>
+            </a:endParaRPr>
           </a:p>
           <a:p>
             <a:r>
@@ -10650,8 +10924,14 @@
                 <a:latin typeface="Times New Roman" panose="02020603050405020304" pitchFamily="18" charset="0"/>
                 <a:cs typeface="Times New Roman" panose="02020603050405020304" pitchFamily="18" charset="0"/>
               </a:rPr>
-              <a:t>Cost Savings: Charging stations can make using EVs cheaper compared to gas cars, making EVs more attractive to buyers.</a:t>
-            </a:r>
+              <a:t>These measures not only lower the overall cost of ownership but also boost consumer confidence and encourage early adoption.</a:t>
+            </a:r>
+          </a:p>
+          <a:p>
+            <a:endParaRPr lang="en-IN" sz="1600" dirty="0">
+              <a:latin typeface="Times New Roman" panose="02020603050405020304" pitchFamily="18" charset="0"/>
+              <a:cs typeface="Times New Roman" panose="02020603050405020304" pitchFamily="18" charset="0"/>
+            </a:endParaRPr>
           </a:p>
           <a:p>
             <a:r>
@@ -10659,26 +10939,10 @@
                 <a:latin typeface="Times New Roman" panose="02020603050405020304" pitchFamily="18" charset="0"/>
                 <a:cs typeface="Times New Roman" panose="02020603050405020304" pitchFamily="18" charset="0"/>
               </a:rPr>
-              <a:t>Consumer Confidence: Knowing there are many places to charge an EV can make people feel more confident about buying one.</a:t>
-            </a:r>
-          </a:p>
-          <a:p>
-            <a:r>
-              <a:rPr lang="en-IN" sz="1600" dirty="0">
-                <a:latin typeface="Times New Roman" panose="02020603050405020304" pitchFamily="18" charset="0"/>
-                <a:cs typeface="Times New Roman" panose="02020603050405020304" pitchFamily="18" charset="0"/>
-              </a:rPr>
-              <a:t>Public Awareness: The presence of many charging stations can make EVs more visible and familiar to the public, leading to higher adoption rates.</a:t>
-            </a:r>
-          </a:p>
-          <a:p>
-            <a:r>
-              <a:rPr lang="en-IN" sz="1600" dirty="0">
-                <a:latin typeface="Times New Roman" panose="02020603050405020304" pitchFamily="18" charset="0"/>
-                <a:cs typeface="Times New Roman" panose="02020603050405020304" pitchFamily="18" charset="0"/>
-              </a:rPr>
-              <a:t>States like Maharashtra, Gujarat, Tamil Nadu, Karnataka and Rajasthan</a:t>
-            </a:r>
+              <a:t> By investing in charging infrastructure and providing consistent support, these states are fostering a favourable environment for the growth of the EV market in India.</a:t>
+            </a:r>
+          </a:p>
+          <a:p>
             <a:endParaRPr lang="en-GB" sz="1600" dirty="0">
               <a:latin typeface="Times New Roman" panose="02020603050405020304" pitchFamily="18" charset="0"/>
               <a:cs typeface="Times New Roman" panose="02020603050405020304" pitchFamily="18" charset="0"/>
@@ -10689,7 +10953,7 @@
     </p:spTree>
     <p:extLst>
       <p:ext uri="{BB962C8B-B14F-4D97-AF65-F5344CB8AC3E}">
-        <p14:creationId xmlns:p14="http://schemas.microsoft.com/office/powerpoint/2010/main" val="1937773838"/>
+        <p14:creationId xmlns:p14="http://schemas.microsoft.com/office/powerpoint/2010/main" val="826424811"/>
       </p:ext>
     </p:extLst>
   </p:cSld>
@@ -10721,7 +10985,7 @@
           <p:cNvPr id="2" name="Title 1">
             <a:extLst>
               <a:ext uri="{FF2B5EF4-FFF2-40B4-BE49-F238E27FC236}">
-                <a16:creationId xmlns:a16="http://schemas.microsoft.com/office/drawing/2014/main" id="{4D0EC80C-A9B4-0C9A-52D2-253DC8AC2610}"/>
+                <a16:creationId xmlns:a16="http://schemas.microsoft.com/office/drawing/2014/main" id="{160F4CF8-DB7A-3925-F055-C42B45EB7FF1}"/>
               </a:ext>
             </a:extLst>
           </p:cNvPr>
@@ -10734,8 +10998,8 @@
         </p:nvSpPr>
         <p:spPr>
           <a:xfrm>
-            <a:off x="838200" y="365125"/>
-            <a:ext cx="10515600" cy="419879"/>
+            <a:off x="743309" y="874085"/>
+            <a:ext cx="10515600" cy="566528"/>
           </a:xfrm>
         </p:spPr>
         <p:txBody>
@@ -10745,20 +11009,8 @@
           <a:lstStyle/>
           <a:p>
             <a:r>
-              <a:rPr lang="en-US" sz="2000" dirty="0"/>
-              <a:t>4) </a:t>
-            </a:r>
-            <a:r>
               <a:rPr lang="en-IN" sz="2000" dirty="0"/>
-              <a:t>Who should be the brand ambassador if </a:t>
-            </a:r>
-            <a:r>
-              <a:rPr lang="en-IN" sz="2000" dirty="0" err="1"/>
-              <a:t>AtliQ</a:t>
-            </a:r>
-            <a:r>
-              <a:rPr lang="en-IN" sz="2000" dirty="0"/>
-              <a:t> Motors launches their EV/Hybrid vehicles in India and why? </a:t>
+              <a:t>3) How does the availability of charging stations infrastructure correlate with the EV sales and penetration rates in the top 5 states?</a:t>
             </a:r>
             <a:endParaRPr lang="en-GB" sz="2000" dirty="0"/>
           </a:p>
@@ -10769,7 +11021,7 @@
           <p:cNvPr id="3" name="Content Placeholder 2">
             <a:extLst>
               <a:ext uri="{FF2B5EF4-FFF2-40B4-BE49-F238E27FC236}">
-                <a16:creationId xmlns:a16="http://schemas.microsoft.com/office/drawing/2014/main" id="{7FD299B7-CEDD-B23D-8EBD-701A5F83ABE3}"/>
+                <a16:creationId xmlns:a16="http://schemas.microsoft.com/office/drawing/2014/main" id="{305557D3-27B3-647A-B43F-B9CD83ECE2CC}"/>
               </a:ext>
             </a:extLst>
           </p:cNvPr>
@@ -10782,8 +11034,8 @@
         </p:nvSpPr>
         <p:spPr>
           <a:xfrm>
-            <a:off x="838200" y="983411"/>
-            <a:ext cx="10515600" cy="5193552"/>
+            <a:off x="838200" y="1871932"/>
+            <a:ext cx="10515600" cy="4305031"/>
           </a:xfrm>
         </p:spPr>
         <p:txBody>
@@ -10793,203 +11045,68 @@
           <a:lstStyle/>
           <a:p>
             <a:r>
-              <a:rPr lang="en-GB" sz="1600" dirty="0">
+              <a:rPr lang="en-IN" sz="1600" dirty="0">
                 <a:latin typeface="Times New Roman" panose="02020603050405020304" pitchFamily="18" charset="0"/>
                 <a:cs typeface="Times New Roman" panose="02020603050405020304" pitchFamily="18" charset="0"/>
               </a:rPr>
-              <a:t>1. Ratan Tata</a:t>
-            </a:r>
-          </a:p>
-          <a:p>
-            <a:pPr marL="0" indent="0">
-              <a:buNone/>
-            </a:pPr>
-            <a:r>
-              <a:rPr lang="en-GB" sz="1600" dirty="0">
+              <a:t>Convenience: More charging stations make it easier for people to charge their EVs, encouraging more people to buy them.</a:t>
+            </a:r>
+          </a:p>
+          <a:p>
+            <a:r>
+              <a:rPr lang="en-IN" sz="1600" dirty="0">
                 <a:latin typeface="Times New Roman" panose="02020603050405020304" pitchFamily="18" charset="0"/>
                 <a:cs typeface="Times New Roman" panose="02020603050405020304" pitchFamily="18" charset="0"/>
               </a:rPr>
-              <a:t>	Role: Chairman Emeritus, Tata Sons.</a:t>
-            </a:r>
-          </a:p>
-          <a:p>
-            <a:pPr marL="0" indent="0">
-              <a:buNone/>
-            </a:pPr>
-            <a:r>
-              <a:rPr lang="en-GB" sz="1600" dirty="0">
+              <a:t>Government Support: States with lots of charging stations often have strong policies and incentives for EVs, which can help boost sales.</a:t>
+            </a:r>
+          </a:p>
+          <a:p>
+            <a:r>
+              <a:rPr lang="en-IN" sz="1600" dirty="0">
                 <a:latin typeface="Times New Roman" panose="02020603050405020304" pitchFamily="18" charset="0"/>
                 <a:cs typeface="Times New Roman" panose="02020603050405020304" pitchFamily="18" charset="0"/>
               </a:rPr>
-              <a:t>	Traits: Integrity, innovation, sustainability.</a:t>
-            </a:r>
-          </a:p>
-          <a:p>
-            <a:r>
-              <a:rPr lang="en-GB" sz="1600" dirty="0">
+              <a:t>Cost Savings: Charging stations can make using EVs cheaper compared to gas cars, making EVs more attractive to buyers.</a:t>
+            </a:r>
+          </a:p>
+          <a:p>
+            <a:r>
+              <a:rPr lang="en-IN" sz="1600" dirty="0">
                 <a:latin typeface="Times New Roman" panose="02020603050405020304" pitchFamily="18" charset="0"/>
                 <a:cs typeface="Times New Roman" panose="02020603050405020304" pitchFamily="18" charset="0"/>
               </a:rPr>
-              <a:t>2. PV Sindhu</a:t>
-            </a:r>
-          </a:p>
-          <a:p>
-            <a:pPr marL="0" indent="0">
-              <a:buNone/>
-            </a:pPr>
-            <a:r>
-              <a:rPr lang="en-GB" sz="1600" dirty="0">
+              <a:t>Consumer Confidence: Knowing there are many places to charge an EV can make people feel more confident about buying one.</a:t>
+            </a:r>
+          </a:p>
+          <a:p>
+            <a:r>
+              <a:rPr lang="en-IN" sz="1600" dirty="0">
                 <a:latin typeface="Times New Roman" panose="02020603050405020304" pitchFamily="18" charset="0"/>
                 <a:cs typeface="Times New Roman" panose="02020603050405020304" pitchFamily="18" charset="0"/>
               </a:rPr>
-              <a:t>	Role: Olympic badminton </a:t>
-            </a:r>
-            <a:r>
-              <a:rPr lang="en-GB" sz="1600" dirty="0" err="1">
+              <a:t>Public Awareness: The presence of many charging stations can make EVs more visible and familiar to the public, leading to higher adoption rates.</a:t>
+            </a:r>
+          </a:p>
+          <a:p>
+            <a:r>
+              <a:rPr lang="en-IN" sz="1600" dirty="0">
                 <a:latin typeface="Times New Roman" panose="02020603050405020304" pitchFamily="18" charset="0"/>
                 <a:cs typeface="Times New Roman" panose="02020603050405020304" pitchFamily="18" charset="0"/>
               </a:rPr>
-              <a:t>medalist</a:t>
-            </a:r>
-            <a:r>
-              <a:rPr lang="en-GB" sz="1600" dirty="0">
-                <a:latin typeface="Times New Roman" panose="02020603050405020304" pitchFamily="18" charset="0"/>
-                <a:cs typeface="Times New Roman" panose="02020603050405020304" pitchFamily="18" charset="0"/>
-              </a:rPr>
-              <a:t>.</a:t>
-            </a:r>
-          </a:p>
-          <a:p>
-            <a:pPr marL="0" indent="0">
-              <a:buNone/>
-            </a:pPr>
-            <a:r>
-              <a:rPr lang="en-GB" sz="1600" dirty="0">
-                <a:latin typeface="Times New Roman" panose="02020603050405020304" pitchFamily="18" charset="0"/>
-                <a:cs typeface="Times New Roman" panose="02020603050405020304" pitchFamily="18" charset="0"/>
-              </a:rPr>
-              <a:t>	Traits: Excellence, dedication, performance.</a:t>
-            </a:r>
-          </a:p>
-          <a:p>
-            <a:r>
-              <a:rPr lang="en-GB" sz="1600" dirty="0">
-                <a:latin typeface="Times New Roman" panose="02020603050405020304" pitchFamily="18" charset="0"/>
-                <a:cs typeface="Times New Roman" panose="02020603050405020304" pitchFamily="18" charset="0"/>
-              </a:rPr>
-              <a:t>3. Amitabh Kant</a:t>
-            </a:r>
-          </a:p>
-          <a:p>
-            <a:pPr marL="0" indent="0">
-              <a:buNone/>
-            </a:pPr>
-            <a:r>
-              <a:rPr lang="en-GB" sz="1600" dirty="0">
-                <a:latin typeface="Times New Roman" panose="02020603050405020304" pitchFamily="18" charset="0"/>
-                <a:cs typeface="Times New Roman" panose="02020603050405020304" pitchFamily="18" charset="0"/>
-              </a:rPr>
-              <a:t>	Role: Former CEO, NITI Aayog.</a:t>
-            </a:r>
-          </a:p>
-          <a:p>
-            <a:pPr marL="0" indent="0">
-              <a:buNone/>
-            </a:pPr>
-            <a:r>
-              <a:rPr lang="en-GB" sz="1600" dirty="0">
-                <a:latin typeface="Times New Roman" panose="02020603050405020304" pitchFamily="18" charset="0"/>
-                <a:cs typeface="Times New Roman" panose="02020603050405020304" pitchFamily="18" charset="0"/>
-              </a:rPr>
-              <a:t>	Traits: Innovation, sustainable development.</a:t>
-            </a:r>
-          </a:p>
-          <a:p>
-            <a:r>
-              <a:rPr lang="en-GB" sz="1600" dirty="0">
-                <a:latin typeface="Times New Roman" panose="02020603050405020304" pitchFamily="18" charset="0"/>
-                <a:cs typeface="Times New Roman" panose="02020603050405020304" pitchFamily="18" charset="0"/>
-              </a:rPr>
-              <a:t>4. Nitin Gadkari</a:t>
-            </a:r>
-          </a:p>
-          <a:p>
-            <a:pPr marL="0" indent="0">
-              <a:buNone/>
-            </a:pPr>
-            <a:r>
-              <a:rPr lang="en-GB" sz="1600" dirty="0">
-                <a:latin typeface="Times New Roman" panose="02020603050405020304" pitchFamily="18" charset="0"/>
-                <a:cs typeface="Times New Roman" panose="02020603050405020304" pitchFamily="18" charset="0"/>
-              </a:rPr>
-              <a:t>	Role: Minister for Road Transport &amp; Highways.</a:t>
-            </a:r>
-          </a:p>
-          <a:p>
-            <a:pPr marL="0" indent="0">
-              <a:buNone/>
-            </a:pPr>
-            <a:r>
-              <a:rPr lang="en-GB" sz="1600" dirty="0">
-                <a:latin typeface="Times New Roman" panose="02020603050405020304" pitchFamily="18" charset="0"/>
-                <a:cs typeface="Times New Roman" panose="02020603050405020304" pitchFamily="18" charset="0"/>
-              </a:rPr>
-              <a:t>	Traits: Policy support, EV infrastructure.</a:t>
-            </a:r>
-          </a:p>
-          <a:p>
-            <a:r>
-              <a:rPr lang="en-GB" sz="1600" dirty="0">
-                <a:latin typeface="Times New Roman" panose="02020603050405020304" pitchFamily="18" charset="0"/>
-                <a:cs typeface="Times New Roman" panose="02020603050405020304" pitchFamily="18" charset="0"/>
-              </a:rPr>
-              <a:t>5. </a:t>
-            </a:r>
-            <a:r>
-              <a:rPr lang="en-GB" sz="1600" dirty="0" err="1">
-                <a:latin typeface="Times New Roman" panose="02020603050405020304" pitchFamily="18" charset="0"/>
-                <a:cs typeface="Times New Roman" panose="02020603050405020304" pitchFamily="18" charset="0"/>
-              </a:rPr>
-              <a:t>Vishwanathan</a:t>
-            </a:r>
-            <a:r>
-              <a:rPr lang="en-GB" sz="1600" dirty="0">
-                <a:latin typeface="Times New Roman" panose="02020603050405020304" pitchFamily="18" charset="0"/>
-                <a:cs typeface="Times New Roman" panose="02020603050405020304" pitchFamily="18" charset="0"/>
-              </a:rPr>
-              <a:t> Anand</a:t>
-            </a:r>
-          </a:p>
-          <a:p>
-            <a:pPr marL="0" indent="0">
-              <a:buNone/>
-            </a:pPr>
-            <a:r>
-              <a:rPr lang="en-GB" sz="1600" dirty="0">
-                <a:latin typeface="Times New Roman" panose="02020603050405020304" pitchFamily="18" charset="0"/>
-                <a:cs typeface="Times New Roman" panose="02020603050405020304" pitchFamily="18" charset="0"/>
-              </a:rPr>
-              <a:t>	Role: Former World Chess Champion.</a:t>
-            </a:r>
-          </a:p>
-          <a:p>
-            <a:pPr marL="0" indent="0">
-              <a:buNone/>
-            </a:pPr>
-            <a:r>
-              <a:rPr lang="en-GB" sz="1600" dirty="0">
-                <a:latin typeface="Times New Roman" panose="02020603050405020304" pitchFamily="18" charset="0"/>
-                <a:cs typeface="Times New Roman" panose="02020603050405020304" pitchFamily="18" charset="0"/>
-              </a:rPr>
-              <a:t>	Traits: Strategic thinking, reliability, intelligence.</a:t>
-            </a:r>
+              <a:t>States like Maharashtra, Gujarat, Tamil Nadu, Karnataka and Rajasthan</a:t>
+            </a:r>
+            <a:endParaRPr lang="en-GB" sz="1600" dirty="0">
+              <a:latin typeface="Times New Roman" panose="02020603050405020304" pitchFamily="18" charset="0"/>
+              <a:cs typeface="Times New Roman" panose="02020603050405020304" pitchFamily="18" charset="0"/>
+            </a:endParaRPr>
           </a:p>
         </p:txBody>
       </p:sp>
     </p:spTree>
     <p:extLst>
       <p:ext uri="{BB962C8B-B14F-4D97-AF65-F5344CB8AC3E}">
-        <p14:creationId xmlns:p14="http://schemas.microsoft.com/office/powerpoint/2010/main" val="480977940"/>
+        <p14:creationId xmlns:p14="http://schemas.microsoft.com/office/powerpoint/2010/main" val="1937773838"/>
       </p:ext>
     </p:extLst>
   </p:cSld>
@@ -11021,7 +11138,7 @@
           <p:cNvPr id="2" name="Title 1">
             <a:extLst>
               <a:ext uri="{FF2B5EF4-FFF2-40B4-BE49-F238E27FC236}">
-                <a16:creationId xmlns:a16="http://schemas.microsoft.com/office/drawing/2014/main" id="{C2E710EE-7241-8336-BC13-683837C16B9D}"/>
+                <a16:creationId xmlns:a16="http://schemas.microsoft.com/office/drawing/2014/main" id="{4D0EC80C-A9B4-0C9A-52D2-253DC8AC2610}"/>
               </a:ext>
             </a:extLst>
           </p:cNvPr>
@@ -11035,7 +11152,7 @@
         <p:spPr>
           <a:xfrm>
             <a:off x="838200" y="365125"/>
-            <a:ext cx="10515600" cy="592407"/>
+            <a:ext cx="10515600" cy="419879"/>
           </a:xfrm>
         </p:spPr>
         <p:txBody>
@@ -11045,10 +11162,22 @@
           <a:lstStyle/>
           <a:p>
             <a:r>
-              <a:rPr lang="en-IN" sz="1800" dirty="0"/>
-              <a:t>5. Which state of India is ideal to start the manufacturing unit? (Based on subsidies provided, ease of doing business, stability in governance etc.)</a:t>
-            </a:r>
-            <a:endParaRPr lang="en-GB" sz="1800" dirty="0"/>
+              <a:rPr lang="en-US" sz="2000" dirty="0"/>
+              <a:t>4) </a:t>
+            </a:r>
+            <a:r>
+              <a:rPr lang="en-IN" sz="2000" dirty="0"/>
+              <a:t>Who should be the brand ambassador if </a:t>
+            </a:r>
+            <a:r>
+              <a:rPr lang="en-IN" sz="2000" dirty="0" err="1"/>
+              <a:t>AtliQ</a:t>
+            </a:r>
+            <a:r>
+              <a:rPr lang="en-IN" sz="2000" dirty="0"/>
+              <a:t> Motors launches their EV/Hybrid vehicles in India and why? </a:t>
+            </a:r>
+            <a:endParaRPr lang="en-GB" sz="2000" dirty="0"/>
           </a:p>
         </p:txBody>
       </p:sp>
@@ -11057,7 +11186,7 @@
           <p:cNvPr id="3" name="Content Placeholder 2">
             <a:extLst>
               <a:ext uri="{FF2B5EF4-FFF2-40B4-BE49-F238E27FC236}">
-                <a16:creationId xmlns:a16="http://schemas.microsoft.com/office/drawing/2014/main" id="{3C5B6749-8176-F74C-7959-E273924D890C}"/>
+                <a16:creationId xmlns:a16="http://schemas.microsoft.com/office/drawing/2014/main" id="{7FD299B7-CEDD-B23D-8EBD-701A5F83ABE3}"/>
               </a:ext>
             </a:extLst>
           </p:cNvPr>
@@ -11070,76 +11199,206 @@
         </p:nvSpPr>
         <p:spPr>
           <a:xfrm>
-            <a:off x="950343" y="1095555"/>
-            <a:ext cx="10515600" cy="3865084"/>
+            <a:off x="838200" y="983411"/>
+            <a:ext cx="10515600" cy="5193552"/>
           </a:xfrm>
         </p:spPr>
         <p:txBody>
           <a:bodyPr>
-            <a:noAutofit/>
+            <a:normAutofit/>
           </a:bodyPr>
           <a:lstStyle/>
           <a:p>
-            <a:pPr>
-              <a:lnSpc>
-                <a:spcPct val="100000"/>
-              </a:lnSpc>
+            <a:r>
+              <a:rPr lang="en-GB" sz="1600" dirty="0">
+                <a:latin typeface="Times New Roman" panose="02020603050405020304" pitchFamily="18" charset="0"/>
+                <a:cs typeface="Times New Roman" panose="02020603050405020304" pitchFamily="18" charset="0"/>
+              </a:rPr>
+              <a:t>1. Ratan Tata</a:t>
+            </a:r>
+          </a:p>
+          <a:p>
+            <a:pPr marL="0" indent="0">
+              <a:buNone/>
             </a:pPr>
-            <a:endParaRPr lang="en-US" sz="1600" dirty="0"/>
-          </a:p>
-          <a:p>
-            <a:pPr>
-              <a:lnSpc>
-                <a:spcPct val="100000"/>
-              </a:lnSpc>
+            <a:r>
+              <a:rPr lang="en-GB" sz="1600" dirty="0">
+                <a:latin typeface="Times New Roman" panose="02020603050405020304" pitchFamily="18" charset="0"/>
+                <a:cs typeface="Times New Roman" panose="02020603050405020304" pitchFamily="18" charset="0"/>
+              </a:rPr>
+              <a:t>	Role: Chairman Emeritus, Tata Sons.</a:t>
+            </a:r>
+          </a:p>
+          <a:p>
+            <a:pPr marL="0" indent="0">
+              <a:buNone/>
             </a:pPr>
             <a:r>
-              <a:rPr lang="en-US" sz="1600" dirty="0"/>
-              <a:t>Uttar Pradesh</a:t>
-            </a:r>
-          </a:p>
-          <a:p>
-            <a:pPr>
-              <a:lnSpc>
-                <a:spcPct val="100000"/>
-              </a:lnSpc>
+              <a:rPr lang="en-GB" sz="1600" dirty="0">
+                <a:latin typeface="Times New Roman" panose="02020603050405020304" pitchFamily="18" charset="0"/>
+                <a:cs typeface="Times New Roman" panose="02020603050405020304" pitchFamily="18" charset="0"/>
+              </a:rPr>
+              <a:t>	Traits: Integrity, innovation, sustainability.</a:t>
+            </a:r>
+          </a:p>
+          <a:p>
+            <a:r>
+              <a:rPr lang="en-GB" sz="1600" dirty="0">
+                <a:latin typeface="Times New Roman" panose="02020603050405020304" pitchFamily="18" charset="0"/>
+                <a:cs typeface="Times New Roman" panose="02020603050405020304" pitchFamily="18" charset="0"/>
+              </a:rPr>
+              <a:t>2. PV Sindhu</a:t>
+            </a:r>
+          </a:p>
+          <a:p>
+            <a:pPr marL="0" indent="0">
+              <a:buNone/>
             </a:pPr>
             <a:r>
-              <a:rPr lang="en-US" sz="1600" dirty="0"/>
-              <a:t>Maharashtra</a:t>
-            </a:r>
-          </a:p>
-          <a:p>
-            <a:pPr>
-              <a:lnSpc>
-                <a:spcPct val="100000"/>
-              </a:lnSpc>
+              <a:rPr lang="en-GB" sz="1600" dirty="0">
+                <a:latin typeface="Times New Roman" panose="02020603050405020304" pitchFamily="18" charset="0"/>
+                <a:cs typeface="Times New Roman" panose="02020603050405020304" pitchFamily="18" charset="0"/>
+              </a:rPr>
+              <a:t>	Role: Olympic badminton </a:t>
+            </a:r>
+            <a:r>
+              <a:rPr lang="en-GB" sz="1600" dirty="0" err="1">
+                <a:latin typeface="Times New Roman" panose="02020603050405020304" pitchFamily="18" charset="0"/>
+                <a:cs typeface="Times New Roman" panose="02020603050405020304" pitchFamily="18" charset="0"/>
+              </a:rPr>
+              <a:t>medalist</a:t>
+            </a:r>
+            <a:r>
+              <a:rPr lang="en-GB" sz="1600" dirty="0">
+                <a:latin typeface="Times New Roman" panose="02020603050405020304" pitchFamily="18" charset="0"/>
+                <a:cs typeface="Times New Roman" panose="02020603050405020304" pitchFamily="18" charset="0"/>
+              </a:rPr>
+              <a:t>.</a:t>
+            </a:r>
+          </a:p>
+          <a:p>
+            <a:pPr marL="0" indent="0">
+              <a:buNone/>
             </a:pPr>
             <a:r>
-              <a:rPr lang="en-US" sz="1600" dirty="0"/>
-              <a:t>Tamil Nadu</a:t>
-            </a:r>
-          </a:p>
-          <a:p>
-            <a:pPr>
-              <a:lnSpc>
-                <a:spcPct val="100000"/>
-              </a:lnSpc>
+              <a:rPr lang="en-GB" sz="1600" dirty="0">
+                <a:latin typeface="Times New Roman" panose="02020603050405020304" pitchFamily="18" charset="0"/>
+                <a:cs typeface="Times New Roman" panose="02020603050405020304" pitchFamily="18" charset="0"/>
+              </a:rPr>
+              <a:t>	Traits: Excellence, dedication, performance.</a:t>
+            </a:r>
+          </a:p>
+          <a:p>
+            <a:r>
+              <a:rPr lang="en-GB" sz="1600" dirty="0">
+                <a:latin typeface="Times New Roman" panose="02020603050405020304" pitchFamily="18" charset="0"/>
+                <a:cs typeface="Times New Roman" panose="02020603050405020304" pitchFamily="18" charset="0"/>
+              </a:rPr>
+              <a:t>3. Amitabh Kant</a:t>
+            </a:r>
+          </a:p>
+          <a:p>
+            <a:pPr marL="0" indent="0">
+              <a:buNone/>
             </a:pPr>
             <a:r>
-              <a:rPr lang="en-US" sz="1600" dirty="0"/>
-              <a:t>Gujarat</a:t>
-            </a:r>
-          </a:p>
-          <a:p>
-            <a:pPr>
-              <a:lnSpc>
-                <a:spcPct val="100000"/>
-              </a:lnSpc>
+              <a:rPr lang="en-GB" sz="1600" dirty="0">
+                <a:latin typeface="Times New Roman" panose="02020603050405020304" pitchFamily="18" charset="0"/>
+                <a:cs typeface="Times New Roman" panose="02020603050405020304" pitchFamily="18" charset="0"/>
+              </a:rPr>
+              <a:t>	Role: Former CEO, NITI Aayog.</a:t>
+            </a:r>
+          </a:p>
+          <a:p>
+            <a:pPr marL="0" indent="0">
+              <a:buNone/>
             </a:pPr>
             <a:r>
-              <a:rPr lang="en-US" sz="1600" dirty="0"/>
-              <a:t>Karnataka</a:t>
+              <a:rPr lang="en-GB" sz="1600" dirty="0">
+                <a:latin typeface="Times New Roman" panose="02020603050405020304" pitchFamily="18" charset="0"/>
+                <a:cs typeface="Times New Roman" panose="02020603050405020304" pitchFamily="18" charset="0"/>
+              </a:rPr>
+              <a:t>	Traits: Innovation, sustainable development.</a:t>
+            </a:r>
+          </a:p>
+          <a:p>
+            <a:r>
+              <a:rPr lang="en-GB" sz="1600" dirty="0">
+                <a:latin typeface="Times New Roman" panose="02020603050405020304" pitchFamily="18" charset="0"/>
+                <a:cs typeface="Times New Roman" panose="02020603050405020304" pitchFamily="18" charset="0"/>
+              </a:rPr>
+              <a:t>4. Nitin Gadkari</a:t>
+            </a:r>
+          </a:p>
+          <a:p>
+            <a:pPr marL="0" indent="0">
+              <a:buNone/>
+            </a:pPr>
+            <a:r>
+              <a:rPr lang="en-GB" sz="1600" dirty="0">
+                <a:latin typeface="Times New Roman" panose="02020603050405020304" pitchFamily="18" charset="0"/>
+                <a:cs typeface="Times New Roman" panose="02020603050405020304" pitchFamily="18" charset="0"/>
+              </a:rPr>
+              <a:t>	Role: Minister for Road Transport &amp; Highways.</a:t>
+            </a:r>
+          </a:p>
+          <a:p>
+            <a:pPr marL="0" indent="0">
+              <a:buNone/>
+            </a:pPr>
+            <a:r>
+              <a:rPr lang="en-GB" sz="1600" dirty="0">
+                <a:latin typeface="Times New Roman" panose="02020603050405020304" pitchFamily="18" charset="0"/>
+                <a:cs typeface="Times New Roman" panose="02020603050405020304" pitchFamily="18" charset="0"/>
+              </a:rPr>
+              <a:t>	Traits: Policy support, EV infrastructure.</a:t>
+            </a:r>
+          </a:p>
+          <a:p>
+            <a:r>
+              <a:rPr lang="en-GB" sz="1600" dirty="0">
+                <a:latin typeface="Times New Roman" panose="02020603050405020304" pitchFamily="18" charset="0"/>
+                <a:cs typeface="Times New Roman" panose="02020603050405020304" pitchFamily="18" charset="0"/>
+              </a:rPr>
+              <a:t>5. </a:t>
+            </a:r>
+            <a:r>
+              <a:rPr lang="en-GB" sz="1600" dirty="0" err="1">
+                <a:latin typeface="Times New Roman" panose="02020603050405020304" pitchFamily="18" charset="0"/>
+                <a:cs typeface="Times New Roman" panose="02020603050405020304" pitchFamily="18" charset="0"/>
+              </a:rPr>
+              <a:t>Vishwanathan</a:t>
+            </a:r>
+            <a:r>
+              <a:rPr lang="en-GB" sz="1600" dirty="0">
+                <a:latin typeface="Times New Roman" panose="02020603050405020304" pitchFamily="18" charset="0"/>
+                <a:cs typeface="Times New Roman" panose="02020603050405020304" pitchFamily="18" charset="0"/>
+              </a:rPr>
+              <a:t> Anand</a:t>
+            </a:r>
+          </a:p>
+          <a:p>
+            <a:pPr marL="0" indent="0">
+              <a:buNone/>
+            </a:pPr>
+            <a:r>
+              <a:rPr lang="en-GB" sz="1600" dirty="0">
+                <a:latin typeface="Times New Roman" panose="02020603050405020304" pitchFamily="18" charset="0"/>
+                <a:cs typeface="Times New Roman" panose="02020603050405020304" pitchFamily="18" charset="0"/>
+              </a:rPr>
+              <a:t>	Role: Former World Chess Champion.</a:t>
+            </a:r>
+          </a:p>
+          <a:p>
+            <a:pPr marL="0" indent="0">
+              <a:buNone/>
+            </a:pPr>
+            <a:r>
+              <a:rPr lang="en-GB" sz="1600" dirty="0">
+                <a:latin typeface="Times New Roman" panose="02020603050405020304" pitchFamily="18" charset="0"/>
+                <a:cs typeface="Times New Roman" panose="02020603050405020304" pitchFamily="18" charset="0"/>
+              </a:rPr>
+              <a:t>	Traits: Strategic thinking, reliability, intelligence.</a:t>
             </a:r>
           </a:p>
         </p:txBody>
@@ -11147,7 +11406,7 @@
     </p:spTree>
     <p:extLst>
       <p:ext uri="{BB962C8B-B14F-4D97-AF65-F5344CB8AC3E}">
-        <p14:creationId xmlns:p14="http://schemas.microsoft.com/office/powerpoint/2010/main" val="3448830233"/>
+        <p14:creationId xmlns:p14="http://schemas.microsoft.com/office/powerpoint/2010/main" val="480977940"/>
       </p:ext>
     </p:extLst>
   </p:cSld>
@@ -11268,6 +11527,164 @@
           <p:cNvPr id="2" name="Title 1">
             <a:extLst>
               <a:ext uri="{FF2B5EF4-FFF2-40B4-BE49-F238E27FC236}">
+                <a16:creationId xmlns:a16="http://schemas.microsoft.com/office/drawing/2014/main" id="{C2E710EE-7241-8336-BC13-683837C16B9D}"/>
+              </a:ext>
+            </a:extLst>
+          </p:cNvPr>
+          <p:cNvSpPr>
+            <a:spLocks noGrp="1"/>
+          </p:cNvSpPr>
+          <p:nvPr>
+            <p:ph type="title"/>
+          </p:nvPr>
+        </p:nvSpPr>
+        <p:spPr>
+          <a:xfrm>
+            <a:off x="838200" y="365125"/>
+            <a:ext cx="10515600" cy="592407"/>
+          </a:xfrm>
+        </p:spPr>
+        <p:txBody>
+          <a:bodyPr>
+            <a:noAutofit/>
+          </a:bodyPr>
+          <a:lstStyle/>
+          <a:p>
+            <a:r>
+              <a:rPr lang="en-IN" sz="1800" dirty="0"/>
+              <a:t>5. Which state of India is ideal to start the manufacturing unit? (Based on subsidies provided, ease of doing business, stability in governance etc.)</a:t>
+            </a:r>
+            <a:endParaRPr lang="en-GB" sz="1800" dirty="0"/>
+          </a:p>
+        </p:txBody>
+      </p:sp>
+      <p:sp>
+        <p:nvSpPr>
+          <p:cNvPr id="3" name="Content Placeholder 2">
+            <a:extLst>
+              <a:ext uri="{FF2B5EF4-FFF2-40B4-BE49-F238E27FC236}">
+                <a16:creationId xmlns:a16="http://schemas.microsoft.com/office/drawing/2014/main" id="{3C5B6749-8176-F74C-7959-E273924D890C}"/>
+              </a:ext>
+            </a:extLst>
+          </p:cNvPr>
+          <p:cNvSpPr>
+            <a:spLocks noGrp="1"/>
+          </p:cNvSpPr>
+          <p:nvPr>
+            <p:ph idx="1"/>
+          </p:nvPr>
+        </p:nvSpPr>
+        <p:spPr>
+          <a:xfrm>
+            <a:off x="950343" y="1095555"/>
+            <a:ext cx="10515600" cy="3865084"/>
+          </a:xfrm>
+        </p:spPr>
+        <p:txBody>
+          <a:bodyPr>
+            <a:noAutofit/>
+          </a:bodyPr>
+          <a:lstStyle/>
+          <a:p>
+            <a:pPr>
+              <a:lnSpc>
+                <a:spcPct val="100000"/>
+              </a:lnSpc>
+            </a:pPr>
+            <a:endParaRPr lang="en-US" sz="1600" dirty="0"/>
+          </a:p>
+          <a:p>
+            <a:pPr>
+              <a:lnSpc>
+                <a:spcPct val="100000"/>
+              </a:lnSpc>
+            </a:pPr>
+            <a:r>
+              <a:rPr lang="en-US" sz="1600" dirty="0"/>
+              <a:t>Uttar Pradesh</a:t>
+            </a:r>
+          </a:p>
+          <a:p>
+            <a:pPr>
+              <a:lnSpc>
+                <a:spcPct val="100000"/>
+              </a:lnSpc>
+            </a:pPr>
+            <a:r>
+              <a:rPr lang="en-US" sz="1600" dirty="0"/>
+              <a:t>Maharashtra</a:t>
+            </a:r>
+          </a:p>
+          <a:p>
+            <a:pPr>
+              <a:lnSpc>
+                <a:spcPct val="100000"/>
+              </a:lnSpc>
+            </a:pPr>
+            <a:r>
+              <a:rPr lang="en-US" sz="1600" dirty="0"/>
+              <a:t>Tamil Nadu</a:t>
+            </a:r>
+          </a:p>
+          <a:p>
+            <a:pPr>
+              <a:lnSpc>
+                <a:spcPct val="100000"/>
+              </a:lnSpc>
+            </a:pPr>
+            <a:r>
+              <a:rPr lang="en-US" sz="1600" dirty="0"/>
+              <a:t>Gujarat</a:t>
+            </a:r>
+          </a:p>
+          <a:p>
+            <a:pPr>
+              <a:lnSpc>
+                <a:spcPct val="100000"/>
+              </a:lnSpc>
+            </a:pPr>
+            <a:r>
+              <a:rPr lang="en-US" sz="1600" dirty="0"/>
+              <a:t>Karnataka</a:t>
+            </a:r>
+          </a:p>
+        </p:txBody>
+      </p:sp>
+    </p:spTree>
+    <p:extLst>
+      <p:ext uri="{BB962C8B-B14F-4D97-AF65-F5344CB8AC3E}">
+        <p14:creationId xmlns:p14="http://schemas.microsoft.com/office/powerpoint/2010/main" val="3448830233"/>
+      </p:ext>
+    </p:extLst>
+  </p:cSld>
+  <p:clrMapOvr>
+    <a:masterClrMapping/>
+  </p:clrMapOvr>
+</p:sld>
+</file>
+
+<file path=ppt/slides/slide21.xml><?xml version="1.0" encoding="utf-8"?>
+<p:sld xmlns:a="http://schemas.openxmlformats.org/drawingml/2006/main" xmlns:r="http://schemas.openxmlformats.org/officeDocument/2006/relationships" xmlns:p="http://schemas.openxmlformats.org/presentationml/2006/main">
+  <p:cSld>
+    <p:spTree>
+      <p:nvGrpSpPr>
+        <p:cNvPr id="1" name=""/>
+        <p:cNvGrpSpPr/>
+        <p:nvPr/>
+      </p:nvGrpSpPr>
+      <p:grpSpPr>
+        <a:xfrm>
+          <a:off x="0" y="0"/>
+          <a:ext cx="0" cy="0"/>
+          <a:chOff x="0" y="0"/>
+          <a:chExt cx="0" cy="0"/>
+        </a:xfrm>
+      </p:grpSpPr>
+      <p:sp>
+        <p:nvSpPr>
+          <p:cNvPr id="2" name="Title 1">
+            <a:extLst>
+              <a:ext uri="{FF2B5EF4-FFF2-40B4-BE49-F238E27FC236}">
                 <a16:creationId xmlns:a16="http://schemas.microsoft.com/office/drawing/2014/main" id="{6C0F3F98-C488-B557-4C45-FB8D9D971A7F}"/>
               </a:ext>
             </a:extLst>
@@ -11461,13 +11878,13 @@
 </p:sld>
 </file>
 
-<file path=ppt/slides/slide21.xml><?xml version="1.0" encoding="utf-8"?>
+<file path=ppt/slides/slide22.xml><?xml version="1.0" encoding="utf-8"?>
 <p:sld xmlns:a="http://schemas.openxmlformats.org/drawingml/2006/main" xmlns:r="http://schemas.openxmlformats.org/officeDocument/2006/relationships" xmlns:p="http://schemas.openxmlformats.org/presentationml/2006/main">
   <p:cSld>
     <p:bg>
       <p:bgPr>
         <a:solidFill>
-          <a:srgbClr val="000000"/>
+          <a:schemeClr val="bg1"/>
         </a:solidFill>
         <a:effectLst/>
       </p:bgPr>
@@ -11486,12 +11903,12 @@
           <a:chExt cx="0" cy="0"/>
         </a:xfrm>
       </p:grpSpPr>
-      <p:sp>
+      <p:sp useBgFill="1">
         <p:nvSpPr>
-          <p:cNvPr id="8" name="Rectangle 7">
+          <p:cNvPr id="14" name="Rectangle 13">
             <a:extLst>
               <a:ext uri="{FF2B5EF4-FFF2-40B4-BE49-F238E27FC236}">
-                <a16:creationId xmlns:a16="http://schemas.microsoft.com/office/drawing/2014/main" id="{71B2258F-86CA-4D4D-8270-BC05FCDEBFB3}"/>
+                <a16:creationId xmlns:a16="http://schemas.microsoft.com/office/drawing/2014/main" id="{06DA9DF9-31F7-4056-B42E-878CC92417B8}"/>
               </a:ext>
               <a:ext uri="{C183D7F6-B498-43B3-948B-1728B52AA6E4}">
                 <adec:decorative xmlns:adec="http://schemas.microsoft.com/office/drawing/2017/decorative" val="1"/>
@@ -11512,14 +11929,11 @@
         <p:spPr>
           <a:xfrm>
             <a:off x="0" y="0"/>
-            <a:ext cx="12192000" cy="6857999"/>
+            <a:ext cx="12188952" cy="6858000"/>
           </a:xfrm>
           <a:prstGeom prst="rect">
             <a:avLst/>
           </a:prstGeom>
-          <a:solidFill>
-            <a:srgbClr val="000000"/>
-          </a:solidFill>
           <a:ln>
             <a:noFill/>
           </a:ln>
@@ -11549,37 +11963,6 @@
           </a:p>
         </p:txBody>
       </p:sp>
-      <p:pic>
-        <p:nvPicPr>
-          <p:cNvPr id="4" name="Picture 3" descr="Abstract background of data">
-            <a:extLst>
-              <a:ext uri="{FF2B5EF4-FFF2-40B4-BE49-F238E27FC236}">
-                <a16:creationId xmlns:a16="http://schemas.microsoft.com/office/drawing/2014/main" id="{0DFB7DB5-03CB-5CD0-9F3F-1C24DF3951F5}"/>
-              </a:ext>
-            </a:extLst>
-          </p:cNvPr>
-          <p:cNvPicPr>
-            <a:picLocks noChangeAspect="1"/>
-          </p:cNvPicPr>
-          <p:nvPr/>
-        </p:nvPicPr>
-        <p:blipFill>
-          <a:blip r:embed="rId2">
-            <a:alphaModFix amt="50000"/>
-          </a:blip>
-          <a:srcRect/>
-          <a:stretch/>
-        </p:blipFill>
-        <p:spPr>
-          <a:xfrm>
-            <a:off x="20" y="1"/>
-            <a:ext cx="12191980" cy="6857999"/>
-          </a:xfrm>
-          <a:prstGeom prst="rect">
-            <a:avLst/>
-          </a:prstGeom>
-        </p:spPr>
-      </p:pic>
       <p:sp>
         <p:nvSpPr>
           <p:cNvPr id="2" name="Title 1">
@@ -11598,8 +11981,8 @@
         </p:nvSpPr>
         <p:spPr>
           <a:xfrm>
-            <a:off x="1524000" y="1802920"/>
-            <a:ext cx="9144000" cy="2219959"/>
+            <a:off x="643468" y="643468"/>
+            <a:ext cx="4620584" cy="1054704"/>
           </a:xfrm>
         </p:spPr>
         <p:txBody>
@@ -11608,25 +11991,577 @@
           </a:bodyPr>
           <a:lstStyle/>
           <a:p>
-            <a:pPr algn="ctr"/>
-            <a:r>
-              <a:rPr lang="en-US" sz="8000" dirty="0">
+            <a:r>
+              <a:rPr lang="en-US" dirty="0"/>
+              <a:t>Live Dashboard</a:t>
+            </a:r>
+          </a:p>
+        </p:txBody>
+      </p:sp>
+      <p:pic>
+        <p:nvPicPr>
+          <p:cNvPr id="10" name="Picture 9" descr="Speedometer">
+            <a:extLst>
+              <a:ext uri="{FF2B5EF4-FFF2-40B4-BE49-F238E27FC236}">
+                <a16:creationId xmlns:a16="http://schemas.microsoft.com/office/drawing/2014/main" id="{7DF6AE71-5B20-1C75-FD0F-12C69F5045D3}"/>
+              </a:ext>
+            </a:extLst>
+          </p:cNvPr>
+          <p:cNvPicPr>
+            <a:picLocks noChangeAspect="1"/>
+          </p:cNvPicPr>
+          <p:nvPr/>
+        </p:nvPicPr>
+        <p:blipFill>
+          <a:blip r:embed="rId2"/>
+          <a:srcRect l="24065" r="21811"/>
+          <a:stretch/>
+        </p:blipFill>
+        <p:spPr>
+          <a:xfrm>
+            <a:off x="6229215" y="10"/>
+            <a:ext cx="5962785" cy="6857990"/>
+          </a:xfrm>
+          <a:custGeom>
+            <a:avLst/>
+            <a:gdLst/>
+            <a:ahLst/>
+            <a:cxnLst/>
+            <a:rect l="l" t="t" r="r" b="b"/>
+            <a:pathLst>
+              <a:path w="5962785" h="6858000">
+                <a:moveTo>
+                  <a:pt x="1044839" y="0"/>
+                </a:moveTo>
+                <a:lnTo>
+                  <a:pt x="5962785" y="0"/>
+                </a:lnTo>
+                <a:lnTo>
+                  <a:pt x="5962785" y="6858000"/>
+                </a:lnTo>
+                <a:lnTo>
+                  <a:pt x="1469886" y="6858000"/>
+                </a:lnTo>
+                <a:lnTo>
+                  <a:pt x="1416006" y="6823984"/>
+                </a:lnTo>
+                <a:cubicBezTo>
+                  <a:pt x="1356767" y="6787940"/>
+                  <a:pt x="1296437" y="6755500"/>
+                  <a:pt x="1232473" y="6733873"/>
+                </a:cubicBezTo>
+                <a:cubicBezTo>
+                  <a:pt x="1145250" y="6705037"/>
+                  <a:pt x="1060933" y="6654575"/>
+                  <a:pt x="1075471" y="6503186"/>
+                </a:cubicBezTo>
+                <a:cubicBezTo>
+                  <a:pt x="1078378" y="6459932"/>
+                  <a:pt x="1055118" y="6427493"/>
+                  <a:pt x="1020229" y="6438306"/>
+                </a:cubicBezTo>
+                <a:cubicBezTo>
+                  <a:pt x="953358" y="6459932"/>
+                  <a:pt x="921375" y="6398656"/>
+                  <a:pt x="883579" y="6351798"/>
+                </a:cubicBezTo>
+                <a:cubicBezTo>
+                  <a:pt x="816707" y="6268895"/>
+                  <a:pt x="752743" y="6182387"/>
+                  <a:pt x="645167" y="6167969"/>
+                </a:cubicBezTo>
+                <a:cubicBezTo>
+                  <a:pt x="665519" y="6103088"/>
+                  <a:pt x="700408" y="6110298"/>
+                  <a:pt x="732391" y="6124716"/>
+                </a:cubicBezTo>
+                <a:cubicBezTo>
+                  <a:pt x="816707" y="6160761"/>
+                  <a:pt x="901023" y="6200410"/>
+                  <a:pt x="985339" y="6236455"/>
+                </a:cubicBezTo>
+                <a:cubicBezTo>
+                  <a:pt x="1040581" y="6258081"/>
+                  <a:pt x="1095822" y="6290522"/>
+                  <a:pt x="1168509" y="6265291"/>
+                </a:cubicBezTo>
+                <a:cubicBezTo>
+                  <a:pt x="1104545" y="6135530"/>
+                  <a:pt x="996969" y="6110298"/>
+                  <a:pt x="909746" y="6070649"/>
+                </a:cubicBezTo>
+                <a:cubicBezTo>
+                  <a:pt x="802169" y="6020185"/>
+                  <a:pt x="738206" y="5926470"/>
+                  <a:pt x="659704" y="5818335"/>
+                </a:cubicBezTo>
+                <a:cubicBezTo>
+                  <a:pt x="738206" y="5789500"/>
+                  <a:pt x="787632" y="5868798"/>
+                  <a:pt x="851597" y="5865193"/>
+                </a:cubicBezTo>
+                <a:cubicBezTo>
+                  <a:pt x="854504" y="5854380"/>
+                  <a:pt x="860319" y="5832753"/>
+                  <a:pt x="860319" y="5832753"/>
+                </a:cubicBezTo>
+                <a:cubicBezTo>
+                  <a:pt x="755650" y="5775081"/>
+                  <a:pt x="709132" y="5666947"/>
+                  <a:pt x="691686" y="5533581"/>
+                </a:cubicBezTo>
+                <a:cubicBezTo>
+                  <a:pt x="685872" y="5465095"/>
+                  <a:pt x="648075" y="5443468"/>
+                  <a:pt x="610278" y="5411029"/>
+                </a:cubicBezTo>
+                <a:cubicBezTo>
+                  <a:pt x="482350" y="5299289"/>
+                  <a:pt x="345700" y="5198364"/>
+                  <a:pt x="238123" y="5046976"/>
+                </a:cubicBezTo>
+                <a:cubicBezTo>
+                  <a:pt x="363144" y="5064998"/>
+                  <a:pt x="461997" y="5165924"/>
+                  <a:pt x="592833" y="5209177"/>
+                </a:cubicBezTo>
+                <a:cubicBezTo>
+                  <a:pt x="488165" y="5043371"/>
+                  <a:pt x="351514" y="4956864"/>
+                  <a:pt x="226494" y="4855939"/>
+                </a:cubicBezTo>
+                <a:cubicBezTo>
+                  <a:pt x="168344" y="4809081"/>
+                  <a:pt x="116011" y="4751408"/>
+                  <a:pt x="49139" y="4726177"/>
+                </a:cubicBezTo>
+                <a:cubicBezTo>
+                  <a:pt x="25879" y="4718968"/>
+                  <a:pt x="-14825" y="4700947"/>
+                  <a:pt x="5527" y="4650483"/>
+                </a:cubicBezTo>
+                <a:cubicBezTo>
+                  <a:pt x="22972" y="4607230"/>
+                  <a:pt x="54954" y="4621648"/>
+                  <a:pt x="84029" y="4632460"/>
+                </a:cubicBezTo>
+                <a:cubicBezTo>
+                  <a:pt x="153807" y="4661296"/>
+                  <a:pt x="229401" y="4661296"/>
+                  <a:pt x="325347" y="4661296"/>
+                </a:cubicBezTo>
+                <a:cubicBezTo>
+                  <a:pt x="243939" y="4524326"/>
+                  <a:pt x="95658" y="4567580"/>
+                  <a:pt x="25879" y="4423401"/>
+                </a:cubicBezTo>
+                <a:cubicBezTo>
+                  <a:pt x="113103" y="4398170"/>
+                  <a:pt x="179975" y="4448632"/>
+                  <a:pt x="249753" y="4459446"/>
+                </a:cubicBezTo>
+                <a:cubicBezTo>
+                  <a:pt x="313718" y="4470259"/>
+                  <a:pt x="328254" y="4445028"/>
+                  <a:pt x="313718" y="4365729"/>
+                </a:cubicBezTo>
+                <a:cubicBezTo>
+                  <a:pt x="290458" y="4243177"/>
+                  <a:pt x="325347" y="4181900"/>
+                  <a:pt x="418386" y="4214341"/>
+                </a:cubicBezTo>
+                <a:cubicBezTo>
+                  <a:pt x="505609" y="4246781"/>
+                  <a:pt x="514332" y="4199922"/>
+                  <a:pt x="491072" y="4131438"/>
+                </a:cubicBezTo>
+                <a:cubicBezTo>
+                  <a:pt x="456183" y="4030512"/>
+                  <a:pt x="493979" y="3951214"/>
+                  <a:pt x="520147" y="3864706"/>
+                </a:cubicBezTo>
+                <a:cubicBezTo>
+                  <a:pt x="560851" y="3734945"/>
+                  <a:pt x="543407" y="3670064"/>
+                  <a:pt x="459090" y="3572743"/>
+                </a:cubicBezTo>
+                <a:cubicBezTo>
+                  <a:pt x="409664" y="3518676"/>
+                  <a:pt x="360236" y="3471818"/>
+                  <a:pt x="290458" y="3424959"/>
+                </a:cubicBezTo>
+                <a:cubicBezTo>
+                  <a:pt x="450368" y="3399728"/>
+                  <a:pt x="284643" y="3313221"/>
+                  <a:pt x="339884" y="3259153"/>
+                </a:cubicBezTo>
+                <a:cubicBezTo>
+                  <a:pt x="453275" y="3237527"/>
+                  <a:pt x="543407" y="3410542"/>
+                  <a:pt x="697501" y="3360078"/>
+                </a:cubicBezTo>
+                <a:cubicBezTo>
+                  <a:pt x="511425" y="3212294"/>
+                  <a:pt x="302087" y="3165436"/>
+                  <a:pt x="165437" y="2967190"/>
+                </a:cubicBezTo>
+                <a:cubicBezTo>
+                  <a:pt x="197419" y="2923937"/>
+                  <a:pt x="229401" y="2967190"/>
+                  <a:pt x="255568" y="2949167"/>
+                </a:cubicBezTo>
+                <a:cubicBezTo>
+                  <a:pt x="255568" y="2938354"/>
+                  <a:pt x="560851" y="3006840"/>
+                  <a:pt x="578296" y="2725691"/>
+                </a:cubicBezTo>
+                <a:cubicBezTo>
+                  <a:pt x="584111" y="2725691"/>
+                  <a:pt x="589926" y="2725691"/>
+                  <a:pt x="595740" y="2714876"/>
+                </a:cubicBezTo>
+                <a:cubicBezTo>
+                  <a:pt x="627722" y="2675228"/>
+                  <a:pt x="598648" y="2581510"/>
+                  <a:pt x="650982" y="2574301"/>
+                </a:cubicBezTo>
+                <a:cubicBezTo>
+                  <a:pt x="709132" y="2567092"/>
+                  <a:pt x="764373" y="2534653"/>
+                  <a:pt x="825429" y="2552674"/>
+                </a:cubicBezTo>
+                <a:cubicBezTo>
+                  <a:pt x="871949" y="2567092"/>
+                  <a:pt x="921375" y="2585115"/>
+                  <a:pt x="970802" y="2585115"/>
+                </a:cubicBezTo>
+                <a:cubicBezTo>
+                  <a:pt x="1023136" y="2585115"/>
+                  <a:pt x="1095822" y="2707668"/>
+                  <a:pt x="1127805" y="2545465"/>
+                </a:cubicBezTo>
+                <a:cubicBezTo>
+                  <a:pt x="1127805" y="2538257"/>
+                  <a:pt x="1217936" y="2556280"/>
+                  <a:pt x="1267362" y="2563488"/>
+                </a:cubicBezTo>
+                <a:cubicBezTo>
+                  <a:pt x="1308067" y="2570698"/>
+                  <a:pt x="1357494" y="2603137"/>
+                  <a:pt x="1386568" y="2538257"/>
+                </a:cubicBezTo>
+                <a:cubicBezTo>
+                  <a:pt x="1401105" y="2498607"/>
+                  <a:pt x="1331326" y="2426518"/>
+                  <a:pt x="1270270" y="2419309"/>
+                </a:cubicBezTo>
+                <a:cubicBezTo>
+                  <a:pt x="1215029" y="2412101"/>
+                  <a:pt x="1159787" y="2404892"/>
+                  <a:pt x="1107453" y="2419309"/>
+                </a:cubicBezTo>
+                <a:cubicBezTo>
+                  <a:pt x="1043489" y="2437331"/>
+                  <a:pt x="1008599" y="2408495"/>
+                  <a:pt x="991154" y="2343615"/>
+                </a:cubicBezTo>
+                <a:cubicBezTo>
+                  <a:pt x="970802" y="2275131"/>
+                  <a:pt x="933005" y="2239085"/>
+                  <a:pt x="880671" y="2206645"/>
+                </a:cubicBezTo>
+                <a:cubicBezTo>
+                  <a:pt x="752743" y="2127346"/>
+                  <a:pt x="630630" y="2033629"/>
+                  <a:pt x="491072" y="1986771"/>
+                </a:cubicBezTo>
+                <a:cubicBezTo>
+                  <a:pt x="464905" y="1979562"/>
+                  <a:pt x="432923" y="1965145"/>
+                  <a:pt x="421293" y="1903868"/>
+                </a:cubicBezTo>
+                <a:cubicBezTo>
+                  <a:pt x="799262" y="1997584"/>
+                  <a:pt x="1142342" y="2239085"/>
+                  <a:pt x="1531941" y="2224667"/>
+                </a:cubicBezTo>
+                <a:cubicBezTo>
+                  <a:pt x="1427272" y="2148974"/>
+                  <a:pt x="1302252" y="2145369"/>
+                  <a:pt x="1188861" y="2091301"/>
+                </a:cubicBezTo>
+                <a:cubicBezTo>
+                  <a:pt x="1270270" y="2051652"/>
+                  <a:pt x="1345864" y="2094906"/>
+                  <a:pt x="1421458" y="2116532"/>
+                </a:cubicBezTo>
+                <a:cubicBezTo>
+                  <a:pt x="1485422" y="2134554"/>
+                  <a:pt x="1543571" y="2138160"/>
+                  <a:pt x="1549386" y="2026420"/>
+                </a:cubicBezTo>
+                <a:cubicBezTo>
+                  <a:pt x="1549386" y="2015607"/>
+                  <a:pt x="1549386" y="2008398"/>
+                  <a:pt x="1549386" y="1997584"/>
+                </a:cubicBezTo>
+                <a:cubicBezTo>
+                  <a:pt x="1526126" y="1950727"/>
+                  <a:pt x="1494144" y="1929099"/>
+                  <a:pt x="1453440" y="1914682"/>
+                </a:cubicBezTo>
+                <a:cubicBezTo>
+                  <a:pt x="1430180" y="1907473"/>
+                  <a:pt x="1398198" y="1893056"/>
+                  <a:pt x="1398198" y="1860614"/>
+                </a:cubicBezTo>
+                <a:cubicBezTo>
+                  <a:pt x="1401105" y="1738063"/>
+                  <a:pt x="1322604" y="1702018"/>
+                  <a:pt x="1247011" y="1665972"/>
+                </a:cubicBezTo>
+                <a:cubicBezTo>
+                  <a:pt x="1287715" y="1604696"/>
+                  <a:pt x="1322604" y="1647950"/>
+                  <a:pt x="1354586" y="1644345"/>
+                </a:cubicBezTo>
+                <a:cubicBezTo>
+                  <a:pt x="1374939" y="1640741"/>
+                  <a:pt x="1395290" y="1637138"/>
+                  <a:pt x="1395290" y="1604696"/>
+                </a:cubicBezTo>
+                <a:cubicBezTo>
+                  <a:pt x="1395290" y="1579465"/>
+                  <a:pt x="1386568" y="1547025"/>
+                  <a:pt x="1366216" y="1547025"/>
+                </a:cubicBezTo>
+                <a:cubicBezTo>
+                  <a:pt x="1238288" y="1543420"/>
+                  <a:pt x="1165601" y="1370405"/>
+                  <a:pt x="1031858" y="1370405"/>
+                </a:cubicBezTo>
+                <a:cubicBezTo>
+                  <a:pt x="950450" y="1370405"/>
+                  <a:pt x="1072563" y="1273083"/>
+                  <a:pt x="1005692" y="1233435"/>
+                </a:cubicBezTo>
+                <a:cubicBezTo>
+                  <a:pt x="991154" y="1222621"/>
+                  <a:pt x="1046396" y="1208203"/>
+                  <a:pt x="1069655" y="1211808"/>
+                </a:cubicBezTo>
+                <a:cubicBezTo>
+                  <a:pt x="1092915" y="1215412"/>
+                  <a:pt x="1113268" y="1240644"/>
+                  <a:pt x="1142342" y="1222621"/>
+                </a:cubicBezTo>
+                <a:cubicBezTo>
+                  <a:pt x="1156879" y="1157741"/>
+                  <a:pt x="1119082" y="1132510"/>
+                  <a:pt x="1084193" y="1114487"/>
+                </a:cubicBezTo>
+                <a:cubicBezTo>
+                  <a:pt x="1008599" y="1071234"/>
+                  <a:pt x="933005" y="1020771"/>
+                  <a:pt x="848689" y="1006353"/>
+                </a:cubicBezTo>
+                <a:cubicBezTo>
+                  <a:pt x="819615" y="1002748"/>
+                  <a:pt x="802169" y="984726"/>
+                  <a:pt x="805077" y="948681"/>
+                </a:cubicBezTo>
+                <a:cubicBezTo>
+                  <a:pt x="810892" y="901822"/>
+                  <a:pt x="839967" y="916240"/>
+                  <a:pt x="863226" y="919844"/>
+                </a:cubicBezTo>
+                <a:cubicBezTo>
+                  <a:pt x="877764" y="923450"/>
+                  <a:pt x="892301" y="934263"/>
+                  <a:pt x="906838" y="909031"/>
+                </a:cubicBezTo>
+                <a:cubicBezTo>
+                  <a:pt x="566666" y="653113"/>
+                  <a:pt x="386404" y="667532"/>
+                  <a:pt x="5527" y="458471"/>
+                </a:cubicBezTo>
+                <a:cubicBezTo>
+                  <a:pt x="89843" y="418822"/>
+                  <a:pt x="150900" y="447658"/>
+                  <a:pt x="209049" y="454867"/>
+                </a:cubicBezTo>
+                <a:cubicBezTo>
+                  <a:pt x="354422" y="472890"/>
+                  <a:pt x="264290" y="505329"/>
+                  <a:pt x="409664" y="526956"/>
+                </a:cubicBezTo>
+                <a:cubicBezTo>
+                  <a:pt x="479443" y="537770"/>
+                  <a:pt x="543407" y="573815"/>
+                  <a:pt x="621908" y="516143"/>
+                </a:cubicBezTo>
+                <a:cubicBezTo>
+                  <a:pt x="674242" y="476494"/>
+                  <a:pt x="758558" y="519747"/>
+                  <a:pt x="822522" y="552188"/>
+                </a:cubicBezTo>
+                <a:cubicBezTo>
+                  <a:pt x="874856" y="581024"/>
+                  <a:pt x="927190" y="588232"/>
+                  <a:pt x="996969" y="552188"/>
+                </a:cubicBezTo>
+                <a:cubicBezTo>
+                  <a:pt x="933005" y="530562"/>
+                  <a:pt x="883579" y="512539"/>
+                  <a:pt x="834151" y="498120"/>
+                </a:cubicBezTo>
+                <a:cubicBezTo>
+                  <a:pt x="793447" y="487307"/>
+                  <a:pt x="770187" y="462076"/>
+                  <a:pt x="773095" y="408008"/>
+                </a:cubicBezTo>
+                <a:cubicBezTo>
+                  <a:pt x="773095" y="379172"/>
+                  <a:pt x="764373" y="339523"/>
+                  <a:pt x="793447" y="325106"/>
+                </a:cubicBezTo>
+                <a:cubicBezTo>
+                  <a:pt x="816707" y="310688"/>
+                  <a:pt x="848689" y="325106"/>
+                  <a:pt x="860319" y="350336"/>
+                </a:cubicBezTo>
+                <a:cubicBezTo>
+                  <a:pt x="874856" y="397195"/>
+                  <a:pt x="889393" y="440449"/>
+                  <a:pt x="938820" y="444054"/>
+                </a:cubicBezTo>
+                <a:cubicBezTo>
+                  <a:pt x="1005692" y="451262"/>
+                  <a:pt x="967894" y="422426"/>
+                  <a:pt x="956265" y="386381"/>
+                </a:cubicBezTo>
+                <a:cubicBezTo>
+                  <a:pt x="944635" y="346733"/>
+                  <a:pt x="979525" y="335919"/>
+                  <a:pt x="1002784" y="343127"/>
+                </a:cubicBezTo>
+                <a:cubicBezTo>
+                  <a:pt x="1090008" y="375569"/>
+                  <a:pt x="1180139" y="317897"/>
+                  <a:pt x="1270270" y="364755"/>
+                </a:cubicBezTo>
+                <a:cubicBezTo>
+                  <a:pt x="1247011" y="249411"/>
+                  <a:pt x="1197583" y="198949"/>
+                  <a:pt x="1092915" y="180926"/>
+                </a:cubicBezTo>
+                <a:cubicBezTo>
+                  <a:pt x="1055118" y="177322"/>
+                  <a:pt x="1014414" y="184530"/>
+                  <a:pt x="979525" y="152090"/>
+                </a:cubicBezTo>
+                <a:cubicBezTo>
+                  <a:pt x="959172" y="134068"/>
+                  <a:pt x="938820" y="112441"/>
+                  <a:pt x="953358" y="76396"/>
+                </a:cubicBezTo>
+                <a:cubicBezTo>
+                  <a:pt x="962080" y="51165"/>
+                  <a:pt x="985339" y="51165"/>
+                  <a:pt x="1005692" y="58373"/>
+                </a:cubicBezTo>
+                <a:cubicBezTo>
+                  <a:pt x="1090008" y="98023"/>
+                  <a:pt x="1180139" y="108837"/>
+                  <a:pt x="1267362" y="123254"/>
+                </a:cubicBezTo>
+                <a:cubicBezTo>
+                  <a:pt x="1281900" y="126859"/>
+                  <a:pt x="1296437" y="134068"/>
+                  <a:pt x="1310975" y="98023"/>
+                </a:cubicBezTo>
+                <a:cubicBezTo>
+                  <a:pt x="1260095" y="81803"/>
+                  <a:pt x="1209941" y="62879"/>
+                  <a:pt x="1159787" y="43505"/>
+                </a:cubicBezTo>
+                <a:close/>
+              </a:path>
+            </a:pathLst>
+          </a:custGeom>
+        </p:spPr>
+      </p:pic>
+      <p:sp>
+        <p:nvSpPr>
+          <p:cNvPr id="3" name="Title 1">
+            <a:extLst>
+              <a:ext uri="{FF2B5EF4-FFF2-40B4-BE49-F238E27FC236}">
+                <a16:creationId xmlns:a16="http://schemas.microsoft.com/office/drawing/2014/main" id="{56D1A46E-CC00-6E31-A7B6-D149B13753E6}"/>
+              </a:ext>
+            </a:extLst>
+          </p:cNvPr>
+          <p:cNvSpPr txBox="1">
+            <a:spLocks/>
+          </p:cNvSpPr>
+          <p:nvPr/>
+        </p:nvSpPr>
+        <p:spPr>
+          <a:xfrm>
+            <a:off x="3194803" y="2541895"/>
+            <a:ext cx="4620584" cy="1054704"/>
+          </a:xfrm>
+          <a:prstGeom prst="rect">
+            <a:avLst/>
+          </a:prstGeom>
+        </p:spPr>
+        <p:txBody>
+          <a:bodyPr vert="horz" lIns="91440" tIns="45720" rIns="91440" bIns="45720" rtlCol="0" anchor="b">
+            <a:normAutofit/>
+          </a:bodyPr>
+          <a:lstStyle>
+            <a:lvl1pPr algn="l" defTabSz="914400" rtl="0" eaLnBrk="1" latinLnBrk="0" hangingPunct="1">
+              <a:lnSpc>
+                <a:spcPct val="90000"/>
+              </a:lnSpc>
+              <a:spcBef>
+                <a:spcPct val="0"/>
+              </a:spcBef>
+              <a:buNone/>
+              <a:defRPr sz="4400" kern="1200">
                 <a:solidFill>
-                  <a:srgbClr val="FFFFFF"/>
+                  <a:schemeClr val="tx1"/>
                 </a:solidFill>
+                <a:latin typeface="+mj-lt"/>
+                <a:ea typeface="+mj-ea"/>
+                <a:cs typeface="+mj-cs"/>
+              </a:defRPr>
+            </a:lvl1pPr>
+          </a:lstStyle>
+          <a:p>
+            <a:r>
+              <a:rPr lang="en-US" dirty="0">
+                <a:solidFill>
+                  <a:schemeClr val="tx2">
+                    <a:lumMod val="90000"/>
+                    <a:lumOff val="10000"/>
+                  </a:schemeClr>
+                </a:solidFill>
+                <a:hlinkClick r:id="rId3">
+                  <a:extLst>
+                    <a:ext uri="{A12FA001-AC4F-418D-AE19-62706E023703}">
+                      <ahyp:hlinkClr xmlns:ahyp="http://schemas.microsoft.com/office/drawing/2018/hyperlinkcolor" val="tx"/>
+                    </a:ext>
+                  </a:extLst>
+                </a:hlinkClick>
               </a:rPr>
-              <a:t>Live Dashboard</a:t>
-            </a:r>
-            <a:br>
-              <a:rPr lang="en-US" sz="6000" dirty="0">
-                <a:solidFill>
-                  <a:srgbClr val="FFFFFF"/>
-                </a:solidFill>
-              </a:rPr>
-            </a:br>
-            <a:endParaRPr lang="en-US" sz="6000" dirty="0">
+              <a:t>🫳Click Here</a:t>
+            </a:r>
+            <a:endParaRPr lang="en-US" dirty="0">
               <a:solidFill>
-                <a:srgbClr val="FFFFFF"/>
+                <a:schemeClr val="tx2">
+                  <a:lumMod val="90000"/>
+                  <a:lumOff val="10000"/>
+                </a:schemeClr>
               </a:solidFill>
             </a:endParaRPr>
           </a:p>
@@ -11640,7 +12575,7 @@
     </p:extLst>
   </p:cSld>
   <p:clrMapOvr>
-    <a:overrideClrMapping bg1="dk1" tx1="lt1" bg2="dk2" tx2="lt2" accent1="accent1" accent2="accent2" accent3="accent3" accent4="accent4" accent5="accent5" accent6="accent6" hlink="hlink" folHlink="folHlink"/>
+    <a:masterClrMapping/>
   </p:clrMapOvr>
   <p:timing>
     <p:tnLst>
@@ -11703,6 +12638,44 @@
                                   </p:childTnLst>
                                 </p:cTn>
                               </p:par>
+                              <p:par>
+                                <p:cTn id="8" presetID="10" presetClass="entr" presetSubtype="0" fill="hold" grpId="0" nodeType="withEffect">
+                                  <p:stCondLst>
+                                    <p:cond delay="1000"/>
+                                  </p:stCondLst>
+                                  <p:iterate type="lt">
+                                    <p:tmPct val="10000"/>
+                                  </p:iterate>
+                                  <p:childTnLst>
+                                    <p:set>
+                                      <p:cBhvr>
+                                        <p:cTn id="9" dur="1" fill="hold">
+                                          <p:stCondLst>
+                                            <p:cond delay="0"/>
+                                          </p:stCondLst>
+                                        </p:cTn>
+                                        <p:tgtEl>
+                                          <p:spTgt spid="3"/>
+                                        </p:tgtEl>
+                                        <p:attrNameLst>
+                                          <p:attrName>style.visibility</p:attrName>
+                                        </p:attrNameLst>
+                                      </p:cBhvr>
+                                      <p:to>
+                                        <p:strVal val="visible"/>
+                                      </p:to>
+                                    </p:set>
+                                    <p:animEffect transition="in" filter="fade">
+                                      <p:cBhvr>
+                                        <p:cTn id="10" dur="400"/>
+                                        <p:tgtEl>
+                                          <p:spTgt spid="3"/>
+                                        </p:tgtEl>
+                                      </p:cBhvr>
+                                    </p:animEffect>
+                                  </p:childTnLst>
+                                </p:cTn>
+                              </p:par>
                             </p:childTnLst>
                           </p:cTn>
                         </p:par>
@@ -11732,18 +12705,19 @@
     </p:tnLst>
     <p:bldLst>
       <p:bldP spid="2" grpId="0"/>
+      <p:bldP spid="3" grpId="0"/>
     </p:bldLst>
   </p:timing>
 </p:sld>
 </file>
 
-<file path=ppt/slides/slide22.xml><?xml version="1.0" encoding="utf-8"?>
+<file path=ppt/slides/slide23.xml><?xml version="1.0" encoding="utf-8"?>
 <p:sld xmlns:a="http://schemas.openxmlformats.org/drawingml/2006/main" xmlns:r="http://schemas.openxmlformats.org/officeDocument/2006/relationships" xmlns:p="http://schemas.openxmlformats.org/presentationml/2006/main">
   <p:cSld>
     <p:bg>
       <p:bgPr>
         <a:solidFill>
-          <a:srgbClr val="000000"/>
+          <a:schemeClr val="bg1"/>
         </a:solidFill>
         <a:effectLst/>
       </p:bgPr>
@@ -11762,12 +12736,12 @@
           <a:chExt cx="0" cy="0"/>
         </a:xfrm>
       </p:grpSpPr>
-      <p:sp>
+      <p:sp useBgFill="1">
         <p:nvSpPr>
-          <p:cNvPr id="8" name="Rectangle 7">
+          <p:cNvPr id="32" name="Rectangle 31">
             <a:extLst>
               <a:ext uri="{FF2B5EF4-FFF2-40B4-BE49-F238E27FC236}">
-                <a16:creationId xmlns:a16="http://schemas.microsoft.com/office/drawing/2014/main" id="{71B2258F-86CA-4D4D-8270-BC05FCDEBFB3}"/>
+                <a16:creationId xmlns:a16="http://schemas.microsoft.com/office/drawing/2014/main" id="{ECC07320-C2CA-4E29-8481-9D9E143C7788}"/>
               </a:ext>
               <a:ext uri="{C183D7F6-B498-43B3-948B-1728B52AA6E4}">
                 <adec:decorative xmlns:adec="http://schemas.microsoft.com/office/drawing/2017/decorative" val="1"/>
@@ -11787,15 +12761,12 @@
         </p:nvSpPr>
         <p:spPr>
           <a:xfrm>
-            <a:off x="0" y="0"/>
-            <a:ext cx="12192000" cy="6857999"/>
+            <a:off x="-1" y="0"/>
+            <a:ext cx="12188952" cy="6858000"/>
           </a:xfrm>
           <a:prstGeom prst="rect">
             <a:avLst/>
           </a:prstGeom>
-          <a:solidFill>
-            <a:srgbClr val="000000"/>
-          </a:solidFill>
           <a:ln>
             <a:noFill/>
           </a:ln>
@@ -11827,10 +12798,10 @@
       </p:sp>
       <p:pic>
         <p:nvPicPr>
-          <p:cNvPr id="4" name="Picture 3" descr="Abstract background of data">
+          <p:cNvPr id="28" name="Picture 27" descr="Aerial view of a highway near the ocean">
             <a:extLst>
               <a:ext uri="{FF2B5EF4-FFF2-40B4-BE49-F238E27FC236}">
-                <a16:creationId xmlns:a16="http://schemas.microsoft.com/office/drawing/2014/main" id="{0DFB7DB5-03CB-5CD0-9F3F-1C24DF3951F5}"/>
+                <a16:creationId xmlns:a16="http://schemas.microsoft.com/office/drawing/2014/main" id="{9838EE34-ACA5-F652-A798-F6E810D0B71E}"/>
               </a:ext>
             </a:extLst>
           </p:cNvPr>
@@ -11840,22 +12811,106 @@
           <p:nvPr/>
         </p:nvPicPr>
         <p:blipFill>
-          <a:blip r:embed="rId2">
-            <a:alphaModFix amt="50000"/>
-          </a:blip>
-          <a:srcRect/>
+          <a:blip r:embed="rId2"/>
+          <a:srcRect t="2051" b="3385"/>
           <a:stretch/>
         </p:blipFill>
         <p:spPr>
           <a:xfrm>
-            <a:off x="20" y="1"/>
-            <a:ext cx="12191980" cy="6857999"/>
+            <a:off x="2522358" y="10"/>
+            <a:ext cx="9669642" cy="6857990"/>
           </a:xfrm>
           <a:prstGeom prst="rect">
             <a:avLst/>
           </a:prstGeom>
         </p:spPr>
       </p:pic>
+      <p:sp>
+        <p:nvSpPr>
+          <p:cNvPr id="34" name="Rectangle 33">
+            <a:extLst>
+              <a:ext uri="{FF2B5EF4-FFF2-40B4-BE49-F238E27FC236}">
+                <a16:creationId xmlns:a16="http://schemas.microsoft.com/office/drawing/2014/main" id="{178FB36B-5BFE-42CA-BC60-1115E0D95EEC}"/>
+              </a:ext>
+              <a:ext uri="{C183D7F6-B498-43B3-948B-1728B52AA6E4}">
+                <adec:decorative xmlns:adec="http://schemas.microsoft.com/office/drawing/2017/decorative" val="1"/>
+              </a:ext>
+            </a:extLst>
+          </p:cNvPr>
+          <p:cNvSpPr>
+            <a:spLocks noGrp="1" noRot="1" noChangeAspect="1" noMove="1" noResize="1" noEditPoints="1" noAdjustHandles="1" noChangeArrowheads="1" noChangeShapeType="1" noTextEdit="1"/>
+          </p:cNvSpPr>
+          <p:nvPr>
+            <p:extLst>
+              <p:ext uri="{386F3935-93C4-4BCD-93E2-E3B085C9AB24}">
+                <p16:designElem xmlns:p16="http://schemas.microsoft.com/office/powerpoint/2015/main" val="1"/>
+              </p:ext>
+            </p:extLst>
+          </p:nvPr>
+        </p:nvSpPr>
+        <p:spPr>
+          <a:xfrm>
+            <a:off x="0" y="0"/>
+            <a:ext cx="7066978" cy="6858000"/>
+          </a:xfrm>
+          <a:prstGeom prst="rect">
+            <a:avLst/>
+          </a:prstGeom>
+          <a:gradFill>
+            <a:gsLst>
+              <a:gs pos="48000">
+                <a:schemeClr val="bg1"/>
+              </a:gs>
+              <a:gs pos="35000">
+                <a:schemeClr val="bg1">
+                  <a:alpha val="77000"/>
+                </a:schemeClr>
+              </a:gs>
+              <a:gs pos="19000">
+                <a:schemeClr val="bg1">
+                  <a:alpha val="38000"/>
+                </a:schemeClr>
+              </a:gs>
+              <a:gs pos="0">
+                <a:schemeClr val="bg1">
+                  <a:alpha val="0"/>
+                </a:schemeClr>
+              </a:gs>
+              <a:gs pos="100000">
+                <a:schemeClr val="bg1"/>
+              </a:gs>
+            </a:gsLst>
+            <a:lin ang="10800000" scaled="0"/>
+          </a:gradFill>
+          <a:ln>
+            <a:noFill/>
+          </a:ln>
+        </p:spPr>
+        <p:style>
+          <a:lnRef idx="2">
+            <a:schemeClr val="accent1">
+              <a:shade val="50000"/>
+            </a:schemeClr>
+          </a:lnRef>
+          <a:fillRef idx="1">
+            <a:schemeClr val="accent1"/>
+          </a:fillRef>
+          <a:effectRef idx="0">
+            <a:schemeClr val="accent1"/>
+          </a:effectRef>
+          <a:fontRef idx="minor">
+            <a:schemeClr val="lt1"/>
+          </a:fontRef>
+        </p:style>
+        <p:txBody>
+          <a:bodyPr rtlCol="0" anchor="ctr"/>
+          <a:lstStyle/>
+          <a:p>
+            <a:pPr algn="ctr"/>
+            <a:endParaRPr lang="en-US" dirty="0"/>
+          </a:p>
+        </p:txBody>
+      </p:sp>
       <p:sp>
         <p:nvSpPr>
           <p:cNvPr id="2" name="Title 1">
@@ -11874,9 +12929,10 @@
         </p:nvSpPr>
         <p:spPr>
           <a:xfrm>
-            <a:off x="1524000" y="1544128"/>
-            <a:ext cx="9144000" cy="2478752"/>
+            <a:off x="952228" y="743447"/>
+            <a:ext cx="3973385" cy="1094684"/>
           </a:xfrm>
+          <a:noFill/>
         </p:spPr>
         <p:txBody>
           <a:bodyPr vert="horz" lIns="91440" tIns="45720" rIns="91440" bIns="45720" rtlCol="0" anchor="b">
@@ -11884,27 +12940,69 @@
           </a:bodyPr>
           <a:lstStyle/>
           <a:p>
-            <a:pPr algn="ctr"/>
-            <a:r>
-              <a:rPr lang="en-US" sz="8000" dirty="0">
-                <a:solidFill>
-                  <a:srgbClr val="FFFFFF"/>
-                </a:solidFill>
+            <a:r>
+              <a:rPr lang="en-US" sz="5200" dirty="0"/>
+              <a:t>Thank You</a:t>
+            </a:r>
+          </a:p>
+        </p:txBody>
+      </p:sp>
+      <p:sp>
+        <p:nvSpPr>
+          <p:cNvPr id="3" name="TextBox 2">
+            <a:extLst>
+              <a:ext uri="{FF2B5EF4-FFF2-40B4-BE49-F238E27FC236}">
+                <a16:creationId xmlns:a16="http://schemas.microsoft.com/office/drawing/2014/main" id="{6564685F-FF81-49E9-56B8-1BE4EFBFB504}"/>
+              </a:ext>
+            </a:extLst>
+          </p:cNvPr>
+          <p:cNvSpPr txBox="1"/>
+          <p:nvPr/>
+        </p:nvSpPr>
+        <p:spPr>
+          <a:xfrm>
+            <a:off x="329664" y="5579706"/>
+            <a:ext cx="4385388" cy="923330"/>
+          </a:xfrm>
+          <a:prstGeom prst="rect">
+            <a:avLst/>
+          </a:prstGeom>
+          <a:noFill/>
+        </p:spPr>
+        <p:txBody>
+          <a:bodyPr wrap="square" rtlCol="0">
+            <a:spAutoFit/>
+          </a:bodyPr>
+          <a:lstStyle/>
+          <a:p>
+            <a:r>
+              <a:rPr lang="en-US" dirty="0"/>
+              <a:t>Presentation By K M Dinesh</a:t>
+            </a:r>
+          </a:p>
+          <a:p>
+            <a:r>
+              <a:rPr lang="en-US" dirty="0">
+                <a:hlinkClick r:id="rId3"/>
               </a:rPr>
-              <a:t>Thank You</a:t>
-            </a:r>
-            <a:br>
-              <a:rPr lang="en-US" sz="6000" dirty="0">
-                <a:solidFill>
-                  <a:srgbClr val="FFFFFF"/>
-                </a:solidFill>
+              <a:t>LinkedIn</a:t>
+            </a:r>
+            <a:endParaRPr lang="en-US" dirty="0"/>
+          </a:p>
+          <a:p>
+            <a:r>
+              <a:rPr lang="en-US" dirty="0" err="1">
+                <a:hlinkClick r:id="rId4"/>
               </a:rPr>
-            </a:br>
-            <a:endParaRPr lang="en-US" sz="6000" dirty="0">
-              <a:solidFill>
-                <a:srgbClr val="FFFFFF"/>
-              </a:solidFill>
-            </a:endParaRPr>
+              <a:t>Github</a:t>
+            </a:r>
+            <a:r>
+              <a:rPr lang="en-GB" dirty="0">
+                <a:hlinkClick r:id="rId4"/>
+              </a:rPr>
+              <a:t> </a:t>
+            </a:r>
+            <a:endParaRPr lang="en-US" dirty="0"/>
           </a:p>
         </p:txBody>
       </p:sp>
@@ -11916,7 +13014,7 @@
     </p:extLst>
   </p:cSld>
   <p:clrMapOvr>
-    <a:overrideClrMapping bg1="dk1" tx1="lt1" bg2="dk2" tx2="lt2" accent1="accent1" accent2="accent2" accent3="accent3" accent4="accent4" accent5="accent5" accent6="accent6" hlink="hlink" folHlink="folHlink"/>
+    <a:masterClrMapping/>
   </p:clrMapOvr>
   <p:timing>
     <p:tnLst>
@@ -12797,35 +13895,6 @@
           <a:chExt cx="0" cy="0"/>
         </a:xfrm>
       </p:grpSpPr>
-      <p:pic>
-        <p:nvPicPr>
-          <p:cNvPr id="5" name="Picture 4">
-            <a:extLst>
-              <a:ext uri="{FF2B5EF4-FFF2-40B4-BE49-F238E27FC236}">
-                <a16:creationId xmlns:a16="http://schemas.microsoft.com/office/drawing/2014/main" id="{A152DF4A-7E26-2FB1-74B8-AA6816830BEF}"/>
-              </a:ext>
-            </a:extLst>
-          </p:cNvPr>
-          <p:cNvPicPr>
-            <a:picLocks noChangeAspect="1"/>
-          </p:cNvPicPr>
-          <p:nvPr/>
-        </p:nvPicPr>
-        <p:blipFill rotWithShape="1">
-          <a:blip r:embed="rId2"/>
-          <a:srcRect l="8724" t="14966" r="11684" b="5324"/>
-          <a:stretch/>
-        </p:blipFill>
-        <p:spPr>
-          <a:xfrm>
-            <a:off x="1063691" y="879718"/>
-            <a:ext cx="7683494" cy="4986244"/>
-          </a:xfrm>
-          <a:prstGeom prst="rect">
-            <a:avLst/>
-          </a:prstGeom>
-        </p:spPr>
-      </p:pic>
       <p:sp>
         <p:nvSpPr>
           <p:cNvPr id="6" name="Title 1">
@@ -12877,7 +13946,7 @@
           <p:nvPr/>
         </p:nvPicPr>
         <p:blipFill>
-          <a:blip r:embed="rId3"/>
+          <a:blip r:embed="rId2"/>
           <a:stretch>
             <a:fillRect/>
           </a:stretch>
@@ -12907,7 +13976,7 @@
           <p:nvPr/>
         </p:nvPicPr>
         <p:blipFill>
-          <a:blip r:embed="rId4"/>
+          <a:blip r:embed="rId3"/>
           <a:stretch>
             <a:fillRect/>
           </a:stretch>
@@ -12916,6 +13985,36 @@
           <a:xfrm>
             <a:off x="9031857" y="3312542"/>
             <a:ext cx="2209800" cy="2475215"/>
+          </a:xfrm>
+          <a:prstGeom prst="rect">
+            <a:avLst/>
+          </a:prstGeom>
+        </p:spPr>
+      </p:pic>
+      <p:pic>
+        <p:nvPicPr>
+          <p:cNvPr id="3" name="Picture 2">
+            <a:extLst>
+              <a:ext uri="{FF2B5EF4-FFF2-40B4-BE49-F238E27FC236}">
+                <a16:creationId xmlns:a16="http://schemas.microsoft.com/office/drawing/2014/main" id="{9CF9F559-C61C-6993-C2C7-D8F429E1C448}"/>
+              </a:ext>
+            </a:extLst>
+          </p:cNvPr>
+          <p:cNvPicPr>
+            <a:picLocks noChangeAspect="1"/>
+          </p:cNvPicPr>
+          <p:nvPr/>
+        </p:nvPicPr>
+        <p:blipFill>
+          <a:blip r:embed="rId4"/>
+          <a:stretch>
+            <a:fillRect/>
+          </a:stretch>
+        </p:blipFill>
+        <p:spPr>
+          <a:xfrm>
+            <a:off x="1063691" y="879717"/>
+            <a:ext cx="7683494" cy="4908040"/>
           </a:xfrm>
           <a:prstGeom prst="rect">
             <a:avLst/>
@@ -12997,35 +14096,6 @@
       </p:sp>
       <p:pic>
         <p:nvPicPr>
-          <p:cNvPr id="5" name="Picture 4">
-            <a:extLst>
-              <a:ext uri="{FF2B5EF4-FFF2-40B4-BE49-F238E27FC236}">
-                <a16:creationId xmlns:a16="http://schemas.microsoft.com/office/drawing/2014/main" id="{1C16C915-B3D0-0614-3529-69D54835605A}"/>
-              </a:ext>
-            </a:extLst>
-          </p:cNvPr>
-          <p:cNvPicPr>
-            <a:picLocks noChangeAspect="1"/>
-          </p:cNvPicPr>
-          <p:nvPr/>
-        </p:nvPicPr>
-        <p:blipFill rotWithShape="1">
-          <a:blip r:embed="rId2"/>
-          <a:srcRect l="4286" t="14966" r="16352" b="5324"/>
-          <a:stretch/>
-        </p:blipFill>
-        <p:spPr>
-          <a:xfrm>
-            <a:off x="539766" y="1026366"/>
-            <a:ext cx="8417621" cy="5613158"/>
-          </a:xfrm>
-          <a:prstGeom prst="rect">
-            <a:avLst/>
-          </a:prstGeom>
-        </p:spPr>
-      </p:pic>
-      <p:pic>
-        <p:nvPicPr>
           <p:cNvPr id="15" name="Picture 14">
             <a:extLst>
               <a:ext uri="{FF2B5EF4-FFF2-40B4-BE49-F238E27FC236}">
@@ -13039,7 +14109,7 @@
           <p:nvPr/>
         </p:nvPicPr>
         <p:blipFill>
-          <a:blip r:embed="rId3"/>
+          <a:blip r:embed="rId2"/>
           <a:stretch>
             <a:fillRect/>
           </a:stretch>
@@ -13069,7 +14139,7 @@
           <p:nvPr/>
         </p:nvPicPr>
         <p:blipFill>
-          <a:blip r:embed="rId4"/>
+          <a:blip r:embed="rId3"/>
           <a:stretch>
             <a:fillRect/>
           </a:stretch>
@@ -13078,6 +14148,36 @@
           <a:xfrm>
             <a:off x="9144000" y="3664290"/>
             <a:ext cx="2761862" cy="3079515"/>
+          </a:xfrm>
+          <a:prstGeom prst="rect">
+            <a:avLst/>
+          </a:prstGeom>
+        </p:spPr>
+      </p:pic>
+      <p:pic>
+        <p:nvPicPr>
+          <p:cNvPr id="4" name="Picture 3">
+            <a:extLst>
+              <a:ext uri="{FF2B5EF4-FFF2-40B4-BE49-F238E27FC236}">
+                <a16:creationId xmlns:a16="http://schemas.microsoft.com/office/drawing/2014/main" id="{AF5D4FAB-9864-1A8F-4445-55400F5D73F4}"/>
+              </a:ext>
+            </a:extLst>
+          </p:cNvPr>
+          <p:cNvPicPr>
+            <a:picLocks noChangeAspect="1"/>
+          </p:cNvPicPr>
+          <p:nvPr/>
+        </p:nvPicPr>
+        <p:blipFill>
+          <a:blip r:embed="rId4"/>
+          <a:stretch>
+            <a:fillRect/>
+          </a:stretch>
+        </p:blipFill>
+        <p:spPr>
+          <a:xfrm>
+            <a:off x="438538" y="1047558"/>
+            <a:ext cx="8507419" cy="5591965"/>
           </a:xfrm>
           <a:prstGeom prst="rect">
             <a:avLst/>
@@ -13114,36 +14214,6 @@
           <a:chExt cx="0" cy="0"/>
         </a:xfrm>
       </p:grpSpPr>
-      <p:pic>
-        <p:nvPicPr>
-          <p:cNvPr id="7" name="Content Placeholder 6">
-            <a:extLst>
-              <a:ext uri="{FF2B5EF4-FFF2-40B4-BE49-F238E27FC236}">
-                <a16:creationId xmlns:a16="http://schemas.microsoft.com/office/drawing/2014/main" id="{71CA89D7-E2DF-2B8E-8A7E-82E56A34A8D2}"/>
-              </a:ext>
-            </a:extLst>
-          </p:cNvPr>
-          <p:cNvPicPr>
-            <a:picLocks noChangeAspect="1"/>
-          </p:cNvPicPr>
-          <p:nvPr/>
-        </p:nvPicPr>
-        <p:blipFill>
-          <a:blip r:embed="rId2"/>
-          <a:stretch>
-            <a:fillRect/>
-          </a:stretch>
-        </p:blipFill>
-        <p:spPr>
-          <a:xfrm>
-            <a:off x="8788193" y="1102848"/>
-            <a:ext cx="3032488" cy="2621292"/>
-          </a:xfrm>
-          <a:prstGeom prst="rect">
-            <a:avLst/>
-          </a:prstGeom>
-        </p:spPr>
-      </p:pic>
       <p:sp>
         <p:nvSpPr>
           <p:cNvPr id="6" name="Title 1">
@@ -13188,10 +14258,10 @@
       </p:sp>
       <p:pic>
         <p:nvPicPr>
-          <p:cNvPr id="10" name="Picture 9">
+          <p:cNvPr id="12" name="Picture 11">
             <a:extLst>
               <a:ext uri="{FF2B5EF4-FFF2-40B4-BE49-F238E27FC236}">
-                <a16:creationId xmlns:a16="http://schemas.microsoft.com/office/drawing/2014/main" id="{0E30D31B-FD52-86BC-D611-E7A35351C2CF}"/>
+                <a16:creationId xmlns:a16="http://schemas.microsoft.com/office/drawing/2014/main" id="{B418BA91-23D5-8552-C079-CFCBCA13EEC3}"/>
               </a:ext>
             </a:extLst>
           </p:cNvPr>
@@ -13200,15 +14270,16 @@
           </p:cNvPicPr>
           <p:nvPr/>
         </p:nvPicPr>
-        <p:blipFill rotWithShape="1">
-          <a:blip r:embed="rId3"/>
-          <a:srcRect l="8801" t="14967" r="11990" b="5850"/>
-          <a:stretch/>
+        <p:blipFill>
+          <a:blip r:embed="rId2"/>
+          <a:stretch>
+            <a:fillRect/>
+          </a:stretch>
         </p:blipFill>
         <p:spPr>
           <a:xfrm>
-            <a:off x="245452" y="1334525"/>
-            <a:ext cx="8441348" cy="5304999"/>
+            <a:off x="8788192" y="3726924"/>
+            <a:ext cx="3032487" cy="2912600"/>
           </a:xfrm>
           <a:prstGeom prst="rect">
             <a:avLst/>
@@ -13217,10 +14288,40 @@
       </p:pic>
       <p:pic>
         <p:nvPicPr>
-          <p:cNvPr id="12" name="Picture 11">
+          <p:cNvPr id="3" name="Picture 2">
             <a:extLst>
               <a:ext uri="{FF2B5EF4-FFF2-40B4-BE49-F238E27FC236}">
-                <a16:creationId xmlns:a16="http://schemas.microsoft.com/office/drawing/2014/main" id="{B418BA91-23D5-8552-C079-CFCBCA13EEC3}"/>
+                <a16:creationId xmlns:a16="http://schemas.microsoft.com/office/drawing/2014/main" id="{A3F18298-6505-C2B2-A814-15E521AB3217}"/>
+              </a:ext>
+            </a:extLst>
+          </p:cNvPr>
+          <p:cNvPicPr>
+            <a:picLocks noChangeAspect="1"/>
+          </p:cNvPicPr>
+          <p:nvPr/>
+        </p:nvPicPr>
+        <p:blipFill>
+          <a:blip r:embed="rId3"/>
+          <a:stretch>
+            <a:fillRect/>
+          </a:stretch>
+        </p:blipFill>
+        <p:spPr>
+          <a:xfrm>
+            <a:off x="242596" y="1102848"/>
+            <a:ext cx="8444204" cy="5536676"/>
+          </a:xfrm>
+          <a:prstGeom prst="rect">
+            <a:avLst/>
+          </a:prstGeom>
+        </p:spPr>
+      </p:pic>
+      <p:pic>
+        <p:nvPicPr>
+          <p:cNvPr id="5" name="Picture 4">
+            <a:extLst>
+              <a:ext uri="{FF2B5EF4-FFF2-40B4-BE49-F238E27FC236}">
+                <a16:creationId xmlns:a16="http://schemas.microsoft.com/office/drawing/2014/main" id="{8097D30E-EAB9-5D5A-4253-F09E5F1FDAD8}"/>
               </a:ext>
             </a:extLst>
           </p:cNvPr>
@@ -13237,8 +14338,8 @@
         </p:blipFill>
         <p:spPr>
           <a:xfrm>
-            <a:off x="8788192" y="3726924"/>
-            <a:ext cx="3032487" cy="2912600"/>
+            <a:off x="8749315" y="1100304"/>
+            <a:ext cx="3442685" cy="2328696"/>
           </a:xfrm>
           <a:prstGeom prst="rect">
             <a:avLst/>
